--- a/Milestones/Milestone2Presentation.pptx
+++ b/Milestones/Milestone2Presentation.pptx
@@ -168,7 +168,7 @@
           <a:noFill/>
           <a:extLst>
             <a:ext uri="{909E8E84-426E-40dd-AFC4-6F175D3DCCD1}">
-              <a14:hiddenFill xmlns="" xmlns:a14="http://schemas.microsoft.com/office/drawing/2010/main">
+              <a14:hiddenFill xmlns:a14="http://schemas.microsoft.com/office/drawing/2010/main" xmlns="">
                 <a:solidFill>
                   <a:srgbClr val="FFFFFF"/>
                 </a:solidFill>
@@ -228,7 +228,7 @@
             </a:ln>
             <a:extLst>
               <a:ext uri="{91240B29-F687-4f45-9708-019B960494DF}">
-                <a14:hiddenLine xmlns="" xmlns:a14="http://schemas.microsoft.com/office/drawing/2010/main" w="9525">
+                <a14:hiddenLine xmlns:a14="http://schemas.microsoft.com/office/drawing/2010/main" xmlns="" w="9525">
                   <a:solidFill>
                     <a:srgbClr val="000000"/>
                   </a:solidFill>
@@ -318,7 +318,7 @@
             </a:ln>
             <a:extLst>
               <a:ext uri="{91240B29-F687-4f45-9708-019B960494DF}">
-                <a14:hiddenLine xmlns="" xmlns:a14="http://schemas.microsoft.com/office/drawing/2010/main" w="9525">
+                <a14:hiddenLine xmlns:a14="http://schemas.microsoft.com/office/drawing/2010/main" xmlns="" w="9525">
                   <a:solidFill>
                     <a:srgbClr val="000000"/>
                   </a:solidFill>
@@ -408,7 +408,7 @@
             </a:ln>
             <a:extLst>
               <a:ext uri="{91240B29-F687-4f45-9708-019B960494DF}">
-                <a14:hiddenLine xmlns="" xmlns:a14="http://schemas.microsoft.com/office/drawing/2010/main" w="9525">
+                <a14:hiddenLine xmlns:a14="http://schemas.microsoft.com/office/drawing/2010/main" xmlns="" w="9525">
                   <a:solidFill>
                     <a:srgbClr val="000000"/>
                   </a:solidFill>
@@ -442,7 +442,7 @@
             </a:ln>
             <a:extLst>
               <a:ext uri="{91240B29-F687-4f45-9708-019B960494DF}">
-                <a14:hiddenLine xmlns="" xmlns:a14="http://schemas.microsoft.com/office/drawing/2010/main" w="9525">
+                <a14:hiddenLine xmlns:a14="http://schemas.microsoft.com/office/drawing/2010/main" xmlns="" w="9525">
                   <a:solidFill>
                     <a:srgbClr val="000000"/>
                   </a:solidFill>
@@ -532,7 +532,7 @@
             </a:ln>
             <a:extLst>
               <a:ext uri="{91240B29-F687-4f45-9708-019B960494DF}">
-                <a14:hiddenLine xmlns="" xmlns:a14="http://schemas.microsoft.com/office/drawing/2010/main" w="9525">
+                <a14:hiddenLine xmlns:a14="http://schemas.microsoft.com/office/drawing/2010/main" xmlns="" w="9525">
                   <a:solidFill>
                     <a:srgbClr val="000000"/>
                   </a:solidFill>
@@ -594,7 +594,7 @@
             </a:ln>
             <a:extLst>
               <a:ext uri="{91240B29-F687-4f45-9708-019B960494DF}">
-                <a14:hiddenLine xmlns="" xmlns:a14="http://schemas.microsoft.com/office/drawing/2010/main" w="9525">
+                <a14:hiddenLine xmlns:a14="http://schemas.microsoft.com/office/drawing/2010/main" xmlns="" w="9525">
                   <a:solidFill>
                     <a:srgbClr val="000000"/>
                   </a:solidFill>
@@ -656,7 +656,7 @@
             </a:ln>
             <a:extLst>
               <a:ext uri="{91240B29-F687-4f45-9708-019B960494DF}">
-                <a14:hiddenLine xmlns="" xmlns:a14="http://schemas.microsoft.com/office/drawing/2010/main" w="9525">
+                <a14:hiddenLine xmlns:a14="http://schemas.microsoft.com/office/drawing/2010/main" xmlns="" w="9525">
                   <a:solidFill>
                     <a:srgbClr val="000000"/>
                   </a:solidFill>
@@ -746,7 +746,7 @@
             </a:ln>
             <a:extLst>
               <a:ext uri="{91240B29-F687-4f45-9708-019B960494DF}">
-                <a14:hiddenLine xmlns="" xmlns:a14="http://schemas.microsoft.com/office/drawing/2010/main" w="9525">
+                <a14:hiddenLine xmlns:a14="http://schemas.microsoft.com/office/drawing/2010/main" xmlns="" w="9525">
                   <a:solidFill>
                     <a:srgbClr val="000000"/>
                   </a:solidFill>
@@ -808,7 +808,7 @@
             </a:ln>
             <a:extLst>
               <a:ext uri="{91240B29-F687-4f45-9708-019B960494DF}">
-                <a14:hiddenLine xmlns="" xmlns:a14="http://schemas.microsoft.com/office/drawing/2010/main" w="9525">
+                <a14:hiddenLine xmlns:a14="http://schemas.microsoft.com/office/drawing/2010/main" xmlns="" w="9525">
                   <a:solidFill>
                     <a:srgbClr val="000000"/>
                   </a:solidFill>
@@ -870,7 +870,7 @@
             </a:ln>
             <a:extLst>
               <a:ext uri="{91240B29-F687-4f45-9708-019B960494DF}">
-                <a14:hiddenLine xmlns="" xmlns:a14="http://schemas.microsoft.com/office/drawing/2010/main" w="9525">
+                <a14:hiddenLine xmlns:a14="http://schemas.microsoft.com/office/drawing/2010/main" xmlns="" w="9525">
                   <a:solidFill>
                     <a:srgbClr val="000000"/>
                   </a:solidFill>
@@ -960,7 +960,7 @@
             </a:ln>
             <a:extLst>
               <a:ext uri="{91240B29-F687-4f45-9708-019B960494DF}">
-                <a14:hiddenLine xmlns="" xmlns:a14="http://schemas.microsoft.com/office/drawing/2010/main" w="9525">
+                <a14:hiddenLine xmlns:a14="http://schemas.microsoft.com/office/drawing/2010/main" xmlns="" w="9525">
                   <a:solidFill>
                     <a:srgbClr val="000000"/>
                   </a:solidFill>
@@ -1050,7 +1050,7 @@
             </a:ln>
             <a:extLst>
               <a:ext uri="{91240B29-F687-4f45-9708-019B960494DF}">
-                <a14:hiddenLine xmlns="" xmlns:a14="http://schemas.microsoft.com/office/drawing/2010/main" w="9525">
+                <a14:hiddenLine xmlns:a14="http://schemas.microsoft.com/office/drawing/2010/main" xmlns="" w="9525">
                   <a:solidFill>
                     <a:srgbClr val="000000"/>
                   </a:solidFill>
@@ -1112,7 +1112,7 @@
             </a:ln>
             <a:extLst>
               <a:ext uri="{91240B29-F687-4f45-9708-019B960494DF}">
-                <a14:hiddenLine xmlns="" xmlns:a14="http://schemas.microsoft.com/office/drawing/2010/main" w="9525">
+                <a14:hiddenLine xmlns:a14="http://schemas.microsoft.com/office/drawing/2010/main" xmlns="" w="9525">
                   <a:solidFill>
                     <a:srgbClr val="000000"/>
                   </a:solidFill>
@@ -1222,7 +1222,7 @@
             </a:ln>
             <a:extLst>
               <a:ext uri="{91240B29-F687-4f45-9708-019B960494DF}">
-                <a14:hiddenLine xmlns="" xmlns:a14="http://schemas.microsoft.com/office/drawing/2010/main" w="9525">
+                <a14:hiddenLine xmlns:a14="http://schemas.microsoft.com/office/drawing/2010/main" xmlns="" w="9525">
                   <a:solidFill>
                     <a:srgbClr val="000000"/>
                   </a:solidFill>
@@ -1284,7 +1284,7 @@
             </a:ln>
             <a:extLst>
               <a:ext uri="{91240B29-F687-4f45-9708-019B960494DF}">
-                <a14:hiddenLine xmlns="" xmlns:a14="http://schemas.microsoft.com/office/drawing/2010/main" w="9525">
+                <a14:hiddenLine xmlns:a14="http://schemas.microsoft.com/office/drawing/2010/main" xmlns="" w="9525">
                   <a:solidFill>
                     <a:srgbClr val="000000"/>
                   </a:solidFill>
@@ -1374,7 +1374,7 @@
             </a:ln>
             <a:extLst>
               <a:ext uri="{91240B29-F687-4f45-9708-019B960494DF}">
-                <a14:hiddenLine xmlns="" xmlns:a14="http://schemas.microsoft.com/office/drawing/2010/main" w="9525">
+                <a14:hiddenLine xmlns:a14="http://schemas.microsoft.com/office/drawing/2010/main" xmlns="" w="9525">
                   <a:solidFill>
                     <a:srgbClr val="000000"/>
                   </a:solidFill>
@@ -1464,7 +1464,7 @@
             </a:ln>
             <a:extLst>
               <a:ext uri="{91240B29-F687-4f45-9708-019B960494DF}">
-                <a14:hiddenLine xmlns="" xmlns:a14="http://schemas.microsoft.com/office/drawing/2010/main" w="9525">
+                <a14:hiddenLine xmlns:a14="http://schemas.microsoft.com/office/drawing/2010/main" xmlns="" w="9525">
                   <a:solidFill>
                     <a:srgbClr val="000000"/>
                   </a:solidFill>
@@ -1526,7 +1526,7 @@
             </a:ln>
             <a:extLst>
               <a:ext uri="{91240B29-F687-4f45-9708-019B960494DF}">
-                <a14:hiddenLine xmlns="" xmlns:a14="http://schemas.microsoft.com/office/drawing/2010/main" w="9525">
+                <a14:hiddenLine xmlns:a14="http://schemas.microsoft.com/office/drawing/2010/main" xmlns="" w="9525">
                   <a:solidFill>
                     <a:srgbClr val="000000"/>
                   </a:solidFill>
@@ -1616,7 +1616,7 @@
             </a:ln>
             <a:extLst>
               <a:ext uri="{91240B29-F687-4f45-9708-019B960494DF}">
-                <a14:hiddenLine xmlns="" xmlns:a14="http://schemas.microsoft.com/office/drawing/2010/main" w="9525">
+                <a14:hiddenLine xmlns:a14="http://schemas.microsoft.com/office/drawing/2010/main" xmlns="" w="9525">
                   <a:solidFill>
                     <a:srgbClr val="000000"/>
                   </a:solidFill>
@@ -1706,7 +1706,7 @@
             </a:ln>
             <a:extLst>
               <a:ext uri="{91240B29-F687-4f45-9708-019B960494DF}">
-                <a14:hiddenLine xmlns="" xmlns:a14="http://schemas.microsoft.com/office/drawing/2010/main" w="9525">
+                <a14:hiddenLine xmlns:a14="http://schemas.microsoft.com/office/drawing/2010/main" xmlns="" w="9525">
                   <a:solidFill>
                     <a:srgbClr val="000000"/>
                   </a:solidFill>
@@ -1762,7 +1762,7 @@
             </a:ln>
             <a:extLst>
               <a:ext uri="{91240B29-F687-4f45-9708-019B960494DF}">
-                <a14:hiddenLine xmlns="" xmlns:a14="http://schemas.microsoft.com/office/drawing/2010/main" w="9525">
+                <a14:hiddenLine xmlns:a14="http://schemas.microsoft.com/office/drawing/2010/main" xmlns="" w="9525">
                   <a:solidFill>
                     <a:srgbClr val="000000"/>
                   </a:solidFill>
@@ -1852,7 +1852,7 @@
             </a:ln>
             <a:extLst>
               <a:ext uri="{91240B29-F687-4f45-9708-019B960494DF}">
-                <a14:hiddenLine xmlns="" xmlns:a14="http://schemas.microsoft.com/office/drawing/2010/main" w="9525">
+                <a14:hiddenLine xmlns:a14="http://schemas.microsoft.com/office/drawing/2010/main" xmlns="" w="9525">
                   <a:solidFill>
                     <a:srgbClr val="000000"/>
                   </a:solidFill>
@@ -1908,7 +1908,7 @@
             </a:ln>
             <a:extLst>
               <a:ext uri="{91240B29-F687-4f45-9708-019B960494DF}">
-                <a14:hiddenLine xmlns="" xmlns:a14="http://schemas.microsoft.com/office/drawing/2010/main" w="9525">
+                <a14:hiddenLine xmlns:a14="http://schemas.microsoft.com/office/drawing/2010/main" xmlns="" w="9525">
                   <a:solidFill>
                     <a:srgbClr val="000000"/>
                   </a:solidFill>
@@ -1998,7 +1998,7 @@
             </a:ln>
             <a:extLst>
               <a:ext uri="{91240B29-F687-4f45-9708-019B960494DF}">
-                <a14:hiddenLine xmlns="" xmlns:a14="http://schemas.microsoft.com/office/drawing/2010/main" w="9525">
+                <a14:hiddenLine xmlns:a14="http://schemas.microsoft.com/office/drawing/2010/main" xmlns="" w="9525">
                   <a:solidFill>
                     <a:srgbClr val="000000"/>
                   </a:solidFill>
@@ -2066,7 +2066,7 @@
             </a:ln>
             <a:extLst>
               <a:ext uri="{91240B29-F687-4f45-9708-019B960494DF}">
-                <a14:hiddenLine xmlns="" xmlns:a14="http://schemas.microsoft.com/office/drawing/2010/main" w="9525">
+                <a14:hiddenLine xmlns:a14="http://schemas.microsoft.com/office/drawing/2010/main" xmlns="" w="9525">
                   <a:solidFill>
                     <a:srgbClr val="000000"/>
                   </a:solidFill>
@@ -2156,7 +2156,7 @@
             </a:ln>
             <a:extLst>
               <a:ext uri="{91240B29-F687-4f45-9708-019B960494DF}">
-                <a14:hiddenLine xmlns="" xmlns:a14="http://schemas.microsoft.com/office/drawing/2010/main" w="9525">
+                <a14:hiddenLine xmlns:a14="http://schemas.microsoft.com/office/drawing/2010/main" xmlns="" w="9525">
                   <a:solidFill>
                     <a:srgbClr val="000000"/>
                   </a:solidFill>
@@ -2224,7 +2224,7 @@
             </a:ln>
             <a:extLst>
               <a:ext uri="{91240B29-F687-4f45-9708-019B960494DF}">
-                <a14:hiddenLine xmlns="" xmlns:a14="http://schemas.microsoft.com/office/drawing/2010/main" w="9525">
+                <a14:hiddenLine xmlns:a14="http://schemas.microsoft.com/office/drawing/2010/main" xmlns="" w="9525">
                   <a:solidFill>
                     <a:srgbClr val="000000"/>
                   </a:solidFill>
@@ -2314,7 +2314,7 @@
             </a:ln>
             <a:extLst>
               <a:ext uri="{91240B29-F687-4f45-9708-019B960494DF}">
-                <a14:hiddenLine xmlns="" xmlns:a14="http://schemas.microsoft.com/office/drawing/2010/main" w="9525">
+                <a14:hiddenLine xmlns:a14="http://schemas.microsoft.com/office/drawing/2010/main" xmlns="" w="9525">
                   <a:solidFill>
                     <a:srgbClr val="000000"/>
                   </a:solidFill>
@@ -2348,7 +2348,7 @@
             </a:ln>
             <a:extLst>
               <a:ext uri="{91240B29-F687-4f45-9708-019B960494DF}">
-                <a14:hiddenLine xmlns="" xmlns:a14="http://schemas.microsoft.com/office/drawing/2010/main" w="9525">
+                <a14:hiddenLine xmlns:a14="http://schemas.microsoft.com/office/drawing/2010/main" xmlns="" w="9525">
                   <a:solidFill>
                     <a:srgbClr val="000000"/>
                   </a:solidFill>
@@ -2438,7 +2438,7 @@
             </a:ln>
             <a:extLst>
               <a:ext uri="{91240B29-F687-4f45-9708-019B960494DF}">
-                <a14:hiddenLine xmlns="" xmlns:a14="http://schemas.microsoft.com/office/drawing/2010/main" w="9525">
+                <a14:hiddenLine xmlns:a14="http://schemas.microsoft.com/office/drawing/2010/main" xmlns="" w="9525">
                   <a:solidFill>
                     <a:srgbClr val="000000"/>
                   </a:solidFill>
@@ -2500,7 +2500,7 @@
             </a:ln>
             <a:extLst>
               <a:ext uri="{91240B29-F687-4f45-9708-019B960494DF}">
-                <a14:hiddenLine xmlns="" xmlns:a14="http://schemas.microsoft.com/office/drawing/2010/main" w="9525">
+                <a14:hiddenLine xmlns:a14="http://schemas.microsoft.com/office/drawing/2010/main" xmlns="" w="9525">
                   <a:solidFill>
                     <a:srgbClr val="000000"/>
                   </a:solidFill>
@@ -2562,7 +2562,7 @@
             </a:ln>
             <a:extLst>
               <a:ext uri="{91240B29-F687-4f45-9708-019B960494DF}">
-                <a14:hiddenLine xmlns="" xmlns:a14="http://schemas.microsoft.com/office/drawing/2010/main" w="9525">
+                <a14:hiddenLine xmlns:a14="http://schemas.microsoft.com/office/drawing/2010/main" xmlns="" w="9525">
                   <a:solidFill>
                     <a:srgbClr val="000000"/>
                   </a:solidFill>
@@ -2652,7 +2652,7 @@
             </a:ln>
             <a:extLst>
               <a:ext uri="{91240B29-F687-4f45-9708-019B960494DF}">
-                <a14:hiddenLine xmlns="" xmlns:a14="http://schemas.microsoft.com/office/drawing/2010/main" w="9525">
+                <a14:hiddenLine xmlns:a14="http://schemas.microsoft.com/office/drawing/2010/main" xmlns="" w="9525">
                   <a:solidFill>
                     <a:srgbClr val="000000"/>
                   </a:solidFill>
@@ -2720,7 +2720,7 @@
             </a:ln>
             <a:extLst>
               <a:ext uri="{91240B29-F687-4f45-9708-019B960494DF}">
-                <a14:hiddenLine xmlns="" xmlns:a14="http://schemas.microsoft.com/office/drawing/2010/main" w="9525">
+                <a14:hiddenLine xmlns:a14="http://schemas.microsoft.com/office/drawing/2010/main" xmlns="" w="9525">
                   <a:solidFill>
                     <a:srgbClr val="000000"/>
                   </a:solidFill>
@@ -2782,7 +2782,7 @@
             </a:ln>
             <a:extLst>
               <a:ext uri="{91240B29-F687-4f45-9708-019B960494DF}">
-                <a14:hiddenLine xmlns="" xmlns:a14="http://schemas.microsoft.com/office/drawing/2010/main" w="9525">
+                <a14:hiddenLine xmlns:a14="http://schemas.microsoft.com/office/drawing/2010/main" xmlns="" w="9525">
                   <a:solidFill>
                     <a:srgbClr val="000000"/>
                   </a:solidFill>
@@ -2872,7 +2872,7 @@
             </a:ln>
             <a:extLst>
               <a:ext uri="{91240B29-F687-4f45-9708-019B960494DF}">
-                <a14:hiddenLine xmlns="" xmlns:a14="http://schemas.microsoft.com/office/drawing/2010/main" w="9525">
+                <a14:hiddenLine xmlns:a14="http://schemas.microsoft.com/office/drawing/2010/main" xmlns="" w="9525">
                   <a:solidFill>
                     <a:srgbClr val="000000"/>
                   </a:solidFill>
@@ -2934,7 +2934,7 @@
             </a:ln>
             <a:extLst>
               <a:ext uri="{91240B29-F687-4f45-9708-019B960494DF}">
-                <a14:hiddenLine xmlns="" xmlns:a14="http://schemas.microsoft.com/office/drawing/2010/main" w="9525">
+                <a14:hiddenLine xmlns:a14="http://schemas.microsoft.com/office/drawing/2010/main" xmlns="" w="9525">
                   <a:solidFill>
                     <a:srgbClr val="000000"/>
                   </a:solidFill>
@@ -3024,7 +3024,7 @@
             </a:ln>
             <a:extLst>
               <a:ext uri="{91240B29-F687-4f45-9708-019B960494DF}">
-                <a14:hiddenLine xmlns="" xmlns:a14="http://schemas.microsoft.com/office/drawing/2010/main" w="9525">
+                <a14:hiddenLine xmlns:a14="http://schemas.microsoft.com/office/drawing/2010/main" xmlns="" w="9525">
                   <a:solidFill>
                     <a:srgbClr val="000000"/>
                   </a:solidFill>
@@ -3086,7 +3086,7 @@
             </a:ln>
             <a:extLst>
               <a:ext uri="{91240B29-F687-4f45-9708-019B960494DF}">
-                <a14:hiddenLine xmlns="" xmlns:a14="http://schemas.microsoft.com/office/drawing/2010/main" w="9525">
+                <a14:hiddenLine xmlns:a14="http://schemas.microsoft.com/office/drawing/2010/main" xmlns="" w="9525">
                   <a:solidFill>
                     <a:srgbClr val="000000"/>
                   </a:solidFill>
@@ -3176,7 +3176,7 @@
             </a:ln>
             <a:extLst>
               <a:ext uri="{91240B29-F687-4f45-9708-019B960494DF}">
-                <a14:hiddenLine xmlns="" xmlns:a14="http://schemas.microsoft.com/office/drawing/2010/main" w="9525">
+                <a14:hiddenLine xmlns:a14="http://schemas.microsoft.com/office/drawing/2010/main" xmlns="" w="9525">
                   <a:solidFill>
                     <a:srgbClr val="000000"/>
                   </a:solidFill>
@@ -3210,7 +3210,7 @@
             </a:ln>
             <a:extLst>
               <a:ext uri="{91240B29-F687-4f45-9708-019B960494DF}">
-                <a14:hiddenLine xmlns="" xmlns:a14="http://schemas.microsoft.com/office/drawing/2010/main" w="9525">
+                <a14:hiddenLine xmlns:a14="http://schemas.microsoft.com/office/drawing/2010/main" xmlns="" w="9525">
                   <a:solidFill>
                     <a:srgbClr val="000000"/>
                   </a:solidFill>
@@ -3275,7 +3275,7 @@
             </a:ln>
             <a:extLst>
               <a:ext uri="{91240B29-F687-4f45-9708-019B960494DF}">
-                <a14:hiddenLine xmlns="" xmlns:a14="http://schemas.microsoft.com/office/drawing/2010/main" w="9525">
+                <a14:hiddenLine xmlns:a14="http://schemas.microsoft.com/office/drawing/2010/main" xmlns="" w="9525">
                   <a:solidFill>
                     <a:srgbClr val="000000"/>
                   </a:solidFill>
@@ -3365,7 +3365,7 @@
             </a:ln>
             <a:extLst>
               <a:ext uri="{91240B29-F687-4f45-9708-019B960494DF}">
-                <a14:hiddenLine xmlns="" xmlns:a14="http://schemas.microsoft.com/office/drawing/2010/main" w="9525">
+                <a14:hiddenLine xmlns:a14="http://schemas.microsoft.com/office/drawing/2010/main" xmlns="" w="9525">
                   <a:solidFill>
                     <a:srgbClr val="000000"/>
                   </a:solidFill>
@@ -3427,7 +3427,7 @@
             </a:ln>
             <a:extLst>
               <a:ext uri="{91240B29-F687-4f45-9708-019B960494DF}">
-                <a14:hiddenLine xmlns="" xmlns:a14="http://schemas.microsoft.com/office/drawing/2010/main" w="9525">
+                <a14:hiddenLine xmlns:a14="http://schemas.microsoft.com/office/drawing/2010/main" xmlns="" w="9525">
                   <a:solidFill>
                     <a:srgbClr val="000000"/>
                   </a:solidFill>
@@ -3517,7 +3517,7 @@
             </a:ln>
             <a:extLst>
               <a:ext uri="{91240B29-F687-4f45-9708-019B960494DF}">
-                <a14:hiddenLine xmlns="" xmlns:a14="http://schemas.microsoft.com/office/drawing/2010/main" w="9525">
+                <a14:hiddenLine xmlns:a14="http://schemas.microsoft.com/office/drawing/2010/main" xmlns="" w="9525">
                   <a:solidFill>
                     <a:srgbClr val="000000"/>
                   </a:solidFill>
@@ -3607,7 +3607,7 @@
             </a:ln>
             <a:extLst>
               <a:ext uri="{91240B29-F687-4f45-9708-019B960494DF}">
-                <a14:hiddenLine xmlns="" xmlns:a14="http://schemas.microsoft.com/office/drawing/2010/main" w="9525">
+                <a14:hiddenLine xmlns:a14="http://schemas.microsoft.com/office/drawing/2010/main" xmlns="" w="9525">
                   <a:solidFill>
                     <a:srgbClr val="000000"/>
                   </a:solidFill>
@@ -3672,7 +3672,7 @@
             </a:ln>
             <a:extLst>
               <a:ext uri="{91240B29-F687-4f45-9708-019B960494DF}">
-                <a14:hiddenLine xmlns="" xmlns:a14="http://schemas.microsoft.com/office/drawing/2010/main" w="9525">
+                <a14:hiddenLine xmlns:a14="http://schemas.microsoft.com/office/drawing/2010/main" xmlns="" w="9525">
                   <a:solidFill>
                     <a:srgbClr val="000000"/>
                   </a:solidFill>
@@ -3734,7 +3734,7 @@
             </a:ln>
             <a:extLst>
               <a:ext uri="{91240B29-F687-4f45-9708-019B960494DF}">
-                <a14:hiddenLine xmlns="" xmlns:a14="http://schemas.microsoft.com/office/drawing/2010/main" w="9525">
+                <a14:hiddenLine xmlns:a14="http://schemas.microsoft.com/office/drawing/2010/main" xmlns="" w="9525">
                   <a:solidFill>
                     <a:srgbClr val="000000"/>
                   </a:solidFill>
@@ -3824,7 +3824,7 @@
             </a:ln>
             <a:extLst>
               <a:ext uri="{91240B29-F687-4f45-9708-019B960494DF}">
-                <a14:hiddenLine xmlns="" xmlns:a14="http://schemas.microsoft.com/office/drawing/2010/main" w="9525">
+                <a14:hiddenLine xmlns:a14="http://schemas.microsoft.com/office/drawing/2010/main" xmlns="" w="9525">
                   <a:solidFill>
                     <a:srgbClr val="000000"/>
                   </a:solidFill>
@@ -3914,7 +3914,7 @@
             </a:ln>
             <a:extLst>
               <a:ext uri="{91240B29-F687-4f45-9708-019B960494DF}">
-                <a14:hiddenLine xmlns="" xmlns:a14="http://schemas.microsoft.com/office/drawing/2010/main" w="9525">
+                <a14:hiddenLine xmlns:a14="http://schemas.microsoft.com/office/drawing/2010/main" xmlns="" w="9525">
                   <a:solidFill>
                     <a:srgbClr val="000000"/>
                   </a:solidFill>
@@ -3976,7 +3976,7 @@
             </a:ln>
             <a:extLst>
               <a:ext uri="{91240B29-F687-4f45-9708-019B960494DF}">
-                <a14:hiddenLine xmlns="" xmlns:a14="http://schemas.microsoft.com/office/drawing/2010/main" w="9525">
+                <a14:hiddenLine xmlns:a14="http://schemas.microsoft.com/office/drawing/2010/main" xmlns="" w="9525">
                   <a:solidFill>
                     <a:srgbClr val="000000"/>
                   </a:solidFill>
@@ -4096,7 +4096,7 @@
             </a:ln>
             <a:extLst>
               <a:ext uri="{91240B29-F687-4f45-9708-019B960494DF}">
-                <a14:hiddenLine xmlns="" xmlns:a14="http://schemas.microsoft.com/office/drawing/2010/main" w="9525">
+                <a14:hiddenLine xmlns:a14="http://schemas.microsoft.com/office/drawing/2010/main" xmlns="" w="9525">
                   <a:solidFill>
                     <a:srgbClr val="000000"/>
                   </a:solidFill>
@@ -4164,7 +4164,7 @@
             </a:ln>
             <a:extLst>
               <a:ext uri="{91240B29-F687-4f45-9708-019B960494DF}">
-                <a14:hiddenLine xmlns="" xmlns:a14="http://schemas.microsoft.com/office/drawing/2010/main" w="9525">
+                <a14:hiddenLine xmlns:a14="http://schemas.microsoft.com/office/drawing/2010/main" xmlns="" w="9525">
                   <a:solidFill>
                     <a:srgbClr val="000000"/>
                   </a:solidFill>
@@ -4254,7 +4254,7 @@
             </a:ln>
             <a:extLst>
               <a:ext uri="{91240B29-F687-4f45-9708-019B960494DF}">
-                <a14:hiddenLine xmlns="" xmlns:a14="http://schemas.microsoft.com/office/drawing/2010/main" w="9525">
+                <a14:hiddenLine xmlns:a14="http://schemas.microsoft.com/office/drawing/2010/main" xmlns="" w="9525">
                   <a:solidFill>
                     <a:srgbClr val="000000"/>
                   </a:solidFill>
@@ -9061,7 +9061,7 @@
           <a:noFill/>
           <a:extLst>
             <a:ext uri="{909E8E84-426E-40dd-AFC4-6F175D3DCCD1}">
-              <a14:hiddenFill xmlns="" xmlns:a14="http://schemas.microsoft.com/office/drawing/2010/main">
+              <a14:hiddenFill xmlns:a14="http://schemas.microsoft.com/office/drawing/2010/main" xmlns="">
                 <a:solidFill>
                   <a:srgbClr val="FFFFFF"/>
                 </a:solidFill>
@@ -9135,7 +9135,7 @@
               </a:ln>
               <a:extLst>
                 <a:ext uri="{91240B29-F687-4f45-9708-019B960494DF}">
-                  <a14:hiddenLine xmlns="" xmlns:a14="http://schemas.microsoft.com/office/drawing/2010/main" w="9525">
+                  <a14:hiddenLine xmlns:a14="http://schemas.microsoft.com/office/drawing/2010/main" xmlns="" w="9525">
                     <a:solidFill>
                       <a:srgbClr val="000000"/>
                     </a:solidFill>
@@ -9225,7 +9225,7 @@
               </a:ln>
               <a:extLst>
                 <a:ext uri="{91240B29-F687-4f45-9708-019B960494DF}">
-                  <a14:hiddenLine xmlns="" xmlns:a14="http://schemas.microsoft.com/office/drawing/2010/main" w="9525">
+                  <a14:hiddenLine xmlns:a14="http://schemas.microsoft.com/office/drawing/2010/main" xmlns="" w="9525">
                     <a:solidFill>
                       <a:srgbClr val="000000"/>
                     </a:solidFill>
@@ -9315,7 +9315,7 @@
               </a:ln>
               <a:extLst>
                 <a:ext uri="{91240B29-F687-4f45-9708-019B960494DF}">
-                  <a14:hiddenLine xmlns="" xmlns:a14="http://schemas.microsoft.com/office/drawing/2010/main" w="9525">
+                  <a14:hiddenLine xmlns:a14="http://schemas.microsoft.com/office/drawing/2010/main" xmlns="" w="9525">
                     <a:solidFill>
                       <a:srgbClr val="000000"/>
                     </a:solidFill>
@@ -9377,7 +9377,7 @@
               </a:ln>
               <a:extLst>
                 <a:ext uri="{91240B29-F687-4f45-9708-019B960494DF}">
-                  <a14:hiddenLine xmlns="" xmlns:a14="http://schemas.microsoft.com/office/drawing/2010/main" w="9525">
+                  <a14:hiddenLine xmlns:a14="http://schemas.microsoft.com/office/drawing/2010/main" xmlns="" w="9525">
                     <a:solidFill>
                       <a:srgbClr val="000000"/>
                     </a:solidFill>
@@ -9467,7 +9467,7 @@
               </a:ln>
               <a:extLst>
                 <a:ext uri="{91240B29-F687-4f45-9708-019B960494DF}">
-                  <a14:hiddenLine xmlns="" xmlns:a14="http://schemas.microsoft.com/office/drawing/2010/main" w="9525">
+                  <a14:hiddenLine xmlns:a14="http://schemas.microsoft.com/office/drawing/2010/main" xmlns="" w="9525">
                     <a:solidFill>
                       <a:srgbClr val="000000"/>
                     </a:solidFill>
@@ -9529,7 +9529,7 @@
               </a:ln>
               <a:extLst>
                 <a:ext uri="{91240B29-F687-4f45-9708-019B960494DF}">
-                  <a14:hiddenLine xmlns="" xmlns:a14="http://schemas.microsoft.com/office/drawing/2010/main" w="9525">
+                  <a14:hiddenLine xmlns:a14="http://schemas.microsoft.com/office/drawing/2010/main" xmlns="" w="9525">
                     <a:solidFill>
                       <a:srgbClr val="000000"/>
                     </a:solidFill>
@@ -9591,7 +9591,7 @@
               </a:ln>
               <a:extLst>
                 <a:ext uri="{91240B29-F687-4f45-9708-019B960494DF}">
-                  <a14:hiddenLine xmlns="" xmlns:a14="http://schemas.microsoft.com/office/drawing/2010/main" w="9525">
+                  <a14:hiddenLine xmlns:a14="http://schemas.microsoft.com/office/drawing/2010/main" xmlns="" w="9525">
                     <a:solidFill>
                       <a:srgbClr val="000000"/>
                     </a:solidFill>
@@ -9681,7 +9681,7 @@
               </a:ln>
               <a:extLst>
                 <a:ext uri="{91240B29-F687-4f45-9708-019B960494DF}">
-                  <a14:hiddenLine xmlns="" xmlns:a14="http://schemas.microsoft.com/office/drawing/2010/main" w="9525">
+                  <a14:hiddenLine xmlns:a14="http://schemas.microsoft.com/office/drawing/2010/main" xmlns="" w="9525">
                     <a:solidFill>
                       <a:srgbClr val="000000"/>
                     </a:solidFill>
@@ -9771,7 +9771,7 @@
               </a:ln>
               <a:extLst>
                 <a:ext uri="{91240B29-F687-4f45-9708-019B960494DF}">
-                  <a14:hiddenLine xmlns="" xmlns:a14="http://schemas.microsoft.com/office/drawing/2010/main" w="9525">
+                  <a14:hiddenLine xmlns:a14="http://schemas.microsoft.com/office/drawing/2010/main" xmlns="" w="9525">
                     <a:solidFill>
                       <a:srgbClr val="000000"/>
                     </a:solidFill>
@@ -9833,7 +9833,7 @@
               </a:ln>
               <a:extLst>
                 <a:ext uri="{91240B29-F687-4f45-9708-019B960494DF}">
-                  <a14:hiddenLine xmlns="" xmlns:a14="http://schemas.microsoft.com/office/drawing/2010/main" w="9525">
+                  <a14:hiddenLine xmlns:a14="http://schemas.microsoft.com/office/drawing/2010/main" xmlns="" w="9525">
                     <a:solidFill>
                       <a:srgbClr val="000000"/>
                     </a:solidFill>
@@ -9943,7 +9943,7 @@
               </a:ln>
               <a:extLst>
                 <a:ext uri="{91240B29-F687-4f45-9708-019B960494DF}">
-                  <a14:hiddenLine xmlns="" xmlns:a14="http://schemas.microsoft.com/office/drawing/2010/main" w="9525">
+                  <a14:hiddenLine xmlns:a14="http://schemas.microsoft.com/office/drawing/2010/main" xmlns="" w="9525">
                     <a:solidFill>
                       <a:srgbClr val="000000"/>
                     </a:solidFill>
@@ -10027,7 +10027,7 @@
               </a:ln>
               <a:extLst>
                 <a:ext uri="{91240B29-F687-4f45-9708-019B960494DF}">
-                  <a14:hiddenLine xmlns="" xmlns:a14="http://schemas.microsoft.com/office/drawing/2010/main" w="9525">
+                  <a14:hiddenLine xmlns:a14="http://schemas.microsoft.com/office/drawing/2010/main" xmlns="" w="9525">
                     <a:solidFill>
                       <a:srgbClr val="000000"/>
                     </a:solidFill>
@@ -10089,7 +10089,7 @@
               </a:ln>
               <a:extLst>
                 <a:ext uri="{91240B29-F687-4f45-9708-019B960494DF}">
-                  <a14:hiddenLine xmlns="" xmlns:a14="http://schemas.microsoft.com/office/drawing/2010/main" w="9525">
+                  <a14:hiddenLine xmlns:a14="http://schemas.microsoft.com/office/drawing/2010/main" xmlns="" w="9525">
                     <a:solidFill>
                       <a:srgbClr val="000000"/>
                     </a:solidFill>
@@ -10151,7 +10151,7 @@
               </a:ln>
               <a:extLst>
                 <a:ext uri="{91240B29-F687-4f45-9708-019B960494DF}">
-                  <a14:hiddenLine xmlns="" xmlns:a14="http://schemas.microsoft.com/office/drawing/2010/main" w="9525">
+                  <a14:hiddenLine xmlns:a14="http://schemas.microsoft.com/office/drawing/2010/main" xmlns="" w="9525">
                     <a:solidFill>
                       <a:srgbClr val="000000"/>
                     </a:solidFill>
@@ -10241,7 +10241,7 @@
               </a:ln>
               <a:extLst>
                 <a:ext uri="{91240B29-F687-4f45-9708-019B960494DF}">
-                  <a14:hiddenLine xmlns="" xmlns:a14="http://schemas.microsoft.com/office/drawing/2010/main" w="9525">
+                  <a14:hiddenLine xmlns:a14="http://schemas.microsoft.com/office/drawing/2010/main" xmlns="" w="9525">
                     <a:solidFill>
                       <a:srgbClr val="000000"/>
                     </a:solidFill>
@@ -10275,7 +10275,7 @@
               </a:ln>
               <a:extLst>
                 <a:ext uri="{91240B29-F687-4f45-9708-019B960494DF}">
-                  <a14:hiddenLine xmlns="" xmlns:a14="http://schemas.microsoft.com/office/drawing/2010/main" w="9525">
+                  <a14:hiddenLine xmlns:a14="http://schemas.microsoft.com/office/drawing/2010/main" xmlns="" w="9525">
                     <a:solidFill>
                       <a:srgbClr val="000000"/>
                     </a:solidFill>
@@ -10340,7 +10340,7 @@
               </a:ln>
               <a:extLst>
                 <a:ext uri="{91240B29-F687-4f45-9708-019B960494DF}">
-                  <a14:hiddenLine xmlns="" xmlns:a14="http://schemas.microsoft.com/office/drawing/2010/main" w="9525">
+                  <a14:hiddenLine xmlns:a14="http://schemas.microsoft.com/office/drawing/2010/main" xmlns="" w="9525">
                     <a:solidFill>
                       <a:srgbClr val="000000"/>
                     </a:solidFill>
@@ -10430,7 +10430,7 @@
               </a:ln>
               <a:extLst>
                 <a:ext uri="{91240B29-F687-4f45-9708-019B960494DF}">
-                  <a14:hiddenLine xmlns="" xmlns:a14="http://schemas.microsoft.com/office/drawing/2010/main" w="9525">
+                  <a14:hiddenLine xmlns:a14="http://schemas.microsoft.com/office/drawing/2010/main" xmlns="" w="9525">
                     <a:solidFill>
                       <a:srgbClr val="000000"/>
                     </a:solidFill>
@@ -10492,7 +10492,7 @@
               </a:ln>
               <a:extLst>
                 <a:ext uri="{91240B29-F687-4f45-9708-019B960494DF}">
-                  <a14:hiddenLine xmlns="" xmlns:a14="http://schemas.microsoft.com/office/drawing/2010/main" w="9525">
+                  <a14:hiddenLine xmlns:a14="http://schemas.microsoft.com/office/drawing/2010/main" xmlns="" w="9525">
                     <a:solidFill>
                       <a:srgbClr val="000000"/>
                     </a:solidFill>
@@ -10582,7 +10582,7 @@
               </a:ln>
               <a:extLst>
                 <a:ext uri="{91240B29-F687-4f45-9708-019B960494DF}">
-                  <a14:hiddenLine xmlns="" xmlns:a14="http://schemas.microsoft.com/office/drawing/2010/main" w="9525">
+                  <a14:hiddenLine xmlns:a14="http://schemas.microsoft.com/office/drawing/2010/main" xmlns="" w="9525">
                     <a:solidFill>
                       <a:srgbClr val="000000"/>
                     </a:solidFill>
@@ -10647,7 +10647,7 @@
               </a:ln>
               <a:extLst>
                 <a:ext uri="{91240B29-F687-4f45-9708-019B960494DF}">
-                  <a14:hiddenLine xmlns="" xmlns:a14="http://schemas.microsoft.com/office/drawing/2010/main" w="9525">
+                  <a14:hiddenLine xmlns:a14="http://schemas.microsoft.com/office/drawing/2010/main" xmlns="" w="9525">
                     <a:solidFill>
                       <a:srgbClr val="000000"/>
                     </a:solidFill>
@@ -10709,7 +10709,7 @@
               </a:ln>
               <a:extLst>
                 <a:ext uri="{91240B29-F687-4f45-9708-019B960494DF}">
-                  <a14:hiddenLine xmlns="" xmlns:a14="http://schemas.microsoft.com/office/drawing/2010/main" w="9525">
+                  <a14:hiddenLine xmlns:a14="http://schemas.microsoft.com/office/drawing/2010/main" xmlns="" w="9525">
                     <a:solidFill>
                       <a:srgbClr val="000000"/>
                     </a:solidFill>
@@ -10799,7 +10799,7 @@
               </a:ln>
               <a:extLst>
                 <a:ext uri="{91240B29-F687-4f45-9708-019B960494DF}">
-                  <a14:hiddenLine xmlns="" xmlns:a14="http://schemas.microsoft.com/office/drawing/2010/main" w="9525">
+                  <a14:hiddenLine xmlns:a14="http://schemas.microsoft.com/office/drawing/2010/main" xmlns="" w="9525">
                     <a:solidFill>
                       <a:srgbClr val="000000"/>
                     </a:solidFill>
@@ -10889,7 +10889,7 @@
               </a:ln>
               <a:extLst>
                 <a:ext uri="{91240B29-F687-4f45-9708-019B960494DF}">
-                  <a14:hiddenLine xmlns="" xmlns:a14="http://schemas.microsoft.com/office/drawing/2010/main" w="9525">
+                  <a14:hiddenLine xmlns:a14="http://schemas.microsoft.com/office/drawing/2010/main" xmlns="" w="9525">
                     <a:solidFill>
                       <a:srgbClr val="000000"/>
                     </a:solidFill>
@@ -10954,7 +10954,7 @@
               </a:ln>
               <a:extLst>
                 <a:ext uri="{91240B29-F687-4f45-9708-019B960494DF}">
-                  <a14:hiddenLine xmlns="" xmlns:a14="http://schemas.microsoft.com/office/drawing/2010/main" w="9525">
+                  <a14:hiddenLine xmlns:a14="http://schemas.microsoft.com/office/drawing/2010/main" xmlns="" w="9525">
                     <a:solidFill>
                       <a:srgbClr val="000000"/>
                     </a:solidFill>
@@ -11074,7 +11074,7 @@
               </a:ln>
               <a:extLst>
                 <a:ext uri="{91240B29-F687-4f45-9708-019B960494DF}">
-                  <a14:hiddenLine xmlns="" xmlns:a14="http://schemas.microsoft.com/office/drawing/2010/main" w="9525">
+                  <a14:hiddenLine xmlns:a14="http://schemas.microsoft.com/office/drawing/2010/main" xmlns="" w="9525">
                     <a:solidFill>
                       <a:srgbClr val="000000"/>
                     </a:solidFill>
@@ -11172,7 +11172,7 @@
               </a:ln>
               <a:extLst>
                 <a:ext uri="{91240B29-F687-4f45-9708-019B960494DF}">
-                  <a14:hiddenLine xmlns="" xmlns:a14="http://schemas.microsoft.com/office/drawing/2010/main" w="9525">
+                  <a14:hiddenLine xmlns:a14="http://schemas.microsoft.com/office/drawing/2010/main" xmlns="" w="9525">
                     <a:solidFill>
                       <a:srgbClr val="000000"/>
                     </a:solidFill>
@@ -11287,7 +11287,7 @@
               </a:ln>
               <a:extLst>
                 <a:ext uri="{91240B29-F687-4f45-9708-019B960494DF}">
-                  <a14:hiddenLine xmlns="" xmlns:a14="http://schemas.microsoft.com/office/drawing/2010/main" w="9525">
+                  <a14:hiddenLine xmlns:a14="http://schemas.microsoft.com/office/drawing/2010/main" xmlns="" w="9525">
                     <a:solidFill>
                       <a:srgbClr val="000000"/>
                     </a:solidFill>
@@ -11377,7 +11377,7 @@
               </a:ln>
               <a:extLst>
                 <a:ext uri="{91240B29-F687-4f45-9708-019B960494DF}">
-                  <a14:hiddenLine xmlns="" xmlns:a14="http://schemas.microsoft.com/office/drawing/2010/main" w="9525">
+                  <a14:hiddenLine xmlns:a14="http://schemas.microsoft.com/office/drawing/2010/main" xmlns="" w="9525">
                     <a:solidFill>
                       <a:srgbClr val="000000"/>
                     </a:solidFill>
@@ -11442,7 +11442,7 @@
               </a:ln>
               <a:extLst>
                 <a:ext uri="{91240B29-F687-4f45-9708-019B960494DF}">
-                  <a14:hiddenLine xmlns="" xmlns:a14="http://schemas.microsoft.com/office/drawing/2010/main" w="9525">
+                  <a14:hiddenLine xmlns:a14="http://schemas.microsoft.com/office/drawing/2010/main" xmlns="" w="9525">
                     <a:solidFill>
                       <a:srgbClr val="000000"/>
                     </a:solidFill>
@@ -11532,7 +11532,7 @@
               </a:ln>
               <a:extLst>
                 <a:ext uri="{91240B29-F687-4f45-9708-019B960494DF}">
-                  <a14:hiddenLine xmlns="" xmlns:a14="http://schemas.microsoft.com/office/drawing/2010/main" w="9525">
+                  <a14:hiddenLine xmlns:a14="http://schemas.microsoft.com/office/drawing/2010/main" xmlns="" w="9525">
                     <a:solidFill>
                       <a:srgbClr val="000000"/>
                     </a:solidFill>
@@ -11600,7 +11600,7 @@
               </a:ln>
               <a:extLst>
                 <a:ext uri="{91240B29-F687-4f45-9708-019B960494DF}">
-                  <a14:hiddenLine xmlns="" xmlns:a14="http://schemas.microsoft.com/office/drawing/2010/main" w="9525">
+                  <a14:hiddenLine xmlns:a14="http://schemas.microsoft.com/office/drawing/2010/main" xmlns="" w="9525">
                     <a:solidFill>
                       <a:srgbClr val="000000"/>
                     </a:solidFill>
@@ -11690,7 +11690,7 @@
               </a:ln>
               <a:extLst>
                 <a:ext uri="{91240B29-F687-4f45-9708-019B960494DF}">
-                  <a14:hiddenLine xmlns="" xmlns:a14="http://schemas.microsoft.com/office/drawing/2010/main" w="9525">
+                  <a14:hiddenLine xmlns:a14="http://schemas.microsoft.com/office/drawing/2010/main" xmlns="" w="9525">
                     <a:solidFill>
                       <a:srgbClr val="000000"/>
                     </a:solidFill>
@@ -11758,7 +11758,7 @@
               </a:ln>
               <a:extLst>
                 <a:ext uri="{91240B29-F687-4f45-9708-019B960494DF}">
-                  <a14:hiddenLine xmlns="" xmlns:a14="http://schemas.microsoft.com/office/drawing/2010/main" w="9525">
+                  <a14:hiddenLine xmlns:a14="http://schemas.microsoft.com/office/drawing/2010/main" xmlns="" w="9525">
                     <a:solidFill>
                       <a:srgbClr val="000000"/>
                     </a:solidFill>
@@ -11848,7 +11848,7 @@
               </a:ln>
               <a:extLst>
                 <a:ext uri="{91240B29-F687-4f45-9708-019B960494DF}">
-                  <a14:hiddenLine xmlns="" xmlns:a14="http://schemas.microsoft.com/office/drawing/2010/main" w="9525">
+                  <a14:hiddenLine xmlns:a14="http://schemas.microsoft.com/office/drawing/2010/main" xmlns="" w="9525">
                     <a:solidFill>
                       <a:srgbClr val="000000"/>
                     </a:solidFill>
@@ -11882,7 +11882,7 @@
               </a:ln>
               <a:extLst>
                 <a:ext uri="{91240B29-F687-4f45-9708-019B960494DF}">
-                  <a14:hiddenLine xmlns="" xmlns:a14="http://schemas.microsoft.com/office/drawing/2010/main" w="9525">
+                  <a14:hiddenLine xmlns:a14="http://schemas.microsoft.com/office/drawing/2010/main" xmlns="" w="9525">
                     <a:solidFill>
                       <a:srgbClr val="000000"/>
                     </a:solidFill>
@@ -12493,7 +12493,7 @@
           <a:p>
             <a:r>
               <a:rPr lang="en-US" dirty="0"/>
-              <a:t>Milestone 1</a:t>
+              <a:t>Milestone 2</a:t>
             </a:r>
           </a:p>
           <a:p>
@@ -13148,8 +13148,13 @@
             <a:pPr lvl="1"/>
             <a:r>
               <a:rPr lang="en-US" dirty="0"/>
-              <a:t>Solve, increment value by step size, repeat until</a:t>
-            </a:r>
+              <a:t>Solve, increment value by step size, repeat until stop </a:t>
+            </a:r>
+            <a:r>
+              <a:rPr lang="en-US"/>
+              <a:t>value reached</a:t>
+            </a:r>
+            <a:endParaRPr lang="en-US" dirty="0"/>
           </a:p>
           <a:p>
             <a:r>

--- a/Milestones/Milestone2Presentation.pptx
+++ b/Milestones/Milestone2Presentation.pptx
@@ -6,10 +6,10 @@
   </p:sldMasterIdLst>
   <p:sldIdLst>
     <p:sldId id="256" r:id="rId2"/>
-    <p:sldId id="257" r:id="rId3"/>
-    <p:sldId id="263" r:id="rId4"/>
-    <p:sldId id="258" r:id="rId5"/>
-    <p:sldId id="259" r:id="rId6"/>
+    <p:sldId id="258" r:id="rId3"/>
+    <p:sldId id="259" r:id="rId4"/>
+    <p:sldId id="257" r:id="rId5"/>
+    <p:sldId id="263" r:id="rId6"/>
     <p:sldId id="260" r:id="rId7"/>
     <p:sldId id="264" r:id="rId8"/>
   </p:sldIdLst>
@@ -168,7 +168,7 @@
           <a:noFill/>
           <a:extLst>
             <a:ext uri="{909E8E84-426E-40dd-AFC4-6F175D3DCCD1}">
-              <a14:hiddenFill xmlns:a14="http://schemas.microsoft.com/office/drawing/2010/main" xmlns="">
+              <a14:hiddenFill xmlns="" xmlns:a14="http://schemas.microsoft.com/office/drawing/2010/main">
                 <a:solidFill>
                   <a:srgbClr val="FFFFFF"/>
                 </a:solidFill>
@@ -228,7 +228,7 @@
             </a:ln>
             <a:extLst>
               <a:ext uri="{91240B29-F687-4f45-9708-019B960494DF}">
-                <a14:hiddenLine xmlns:a14="http://schemas.microsoft.com/office/drawing/2010/main" xmlns="" w="9525">
+                <a14:hiddenLine xmlns="" xmlns:a14="http://schemas.microsoft.com/office/drawing/2010/main" w="9525">
                   <a:solidFill>
                     <a:srgbClr val="000000"/>
                   </a:solidFill>
@@ -318,7 +318,7 @@
             </a:ln>
             <a:extLst>
               <a:ext uri="{91240B29-F687-4f45-9708-019B960494DF}">
-                <a14:hiddenLine xmlns:a14="http://schemas.microsoft.com/office/drawing/2010/main" xmlns="" w="9525">
+                <a14:hiddenLine xmlns="" xmlns:a14="http://schemas.microsoft.com/office/drawing/2010/main" w="9525">
                   <a:solidFill>
                     <a:srgbClr val="000000"/>
                   </a:solidFill>
@@ -408,7 +408,7 @@
             </a:ln>
             <a:extLst>
               <a:ext uri="{91240B29-F687-4f45-9708-019B960494DF}">
-                <a14:hiddenLine xmlns:a14="http://schemas.microsoft.com/office/drawing/2010/main" xmlns="" w="9525">
+                <a14:hiddenLine xmlns="" xmlns:a14="http://schemas.microsoft.com/office/drawing/2010/main" w="9525">
                   <a:solidFill>
                     <a:srgbClr val="000000"/>
                   </a:solidFill>
@@ -442,7 +442,7 @@
             </a:ln>
             <a:extLst>
               <a:ext uri="{91240B29-F687-4f45-9708-019B960494DF}">
-                <a14:hiddenLine xmlns:a14="http://schemas.microsoft.com/office/drawing/2010/main" xmlns="" w="9525">
+                <a14:hiddenLine xmlns="" xmlns:a14="http://schemas.microsoft.com/office/drawing/2010/main" w="9525">
                   <a:solidFill>
                     <a:srgbClr val="000000"/>
                   </a:solidFill>
@@ -532,7 +532,7 @@
             </a:ln>
             <a:extLst>
               <a:ext uri="{91240B29-F687-4f45-9708-019B960494DF}">
-                <a14:hiddenLine xmlns:a14="http://schemas.microsoft.com/office/drawing/2010/main" xmlns="" w="9525">
+                <a14:hiddenLine xmlns="" xmlns:a14="http://schemas.microsoft.com/office/drawing/2010/main" w="9525">
                   <a:solidFill>
                     <a:srgbClr val="000000"/>
                   </a:solidFill>
@@ -594,7 +594,7 @@
             </a:ln>
             <a:extLst>
               <a:ext uri="{91240B29-F687-4f45-9708-019B960494DF}">
-                <a14:hiddenLine xmlns:a14="http://schemas.microsoft.com/office/drawing/2010/main" xmlns="" w="9525">
+                <a14:hiddenLine xmlns="" xmlns:a14="http://schemas.microsoft.com/office/drawing/2010/main" w="9525">
                   <a:solidFill>
                     <a:srgbClr val="000000"/>
                   </a:solidFill>
@@ -656,7 +656,7 @@
             </a:ln>
             <a:extLst>
               <a:ext uri="{91240B29-F687-4f45-9708-019B960494DF}">
-                <a14:hiddenLine xmlns:a14="http://schemas.microsoft.com/office/drawing/2010/main" xmlns="" w="9525">
+                <a14:hiddenLine xmlns="" xmlns:a14="http://schemas.microsoft.com/office/drawing/2010/main" w="9525">
                   <a:solidFill>
                     <a:srgbClr val="000000"/>
                   </a:solidFill>
@@ -746,7 +746,7 @@
             </a:ln>
             <a:extLst>
               <a:ext uri="{91240B29-F687-4f45-9708-019B960494DF}">
-                <a14:hiddenLine xmlns:a14="http://schemas.microsoft.com/office/drawing/2010/main" xmlns="" w="9525">
+                <a14:hiddenLine xmlns="" xmlns:a14="http://schemas.microsoft.com/office/drawing/2010/main" w="9525">
                   <a:solidFill>
                     <a:srgbClr val="000000"/>
                   </a:solidFill>
@@ -808,7 +808,7 @@
             </a:ln>
             <a:extLst>
               <a:ext uri="{91240B29-F687-4f45-9708-019B960494DF}">
-                <a14:hiddenLine xmlns:a14="http://schemas.microsoft.com/office/drawing/2010/main" xmlns="" w="9525">
+                <a14:hiddenLine xmlns="" xmlns:a14="http://schemas.microsoft.com/office/drawing/2010/main" w="9525">
                   <a:solidFill>
                     <a:srgbClr val="000000"/>
                   </a:solidFill>
@@ -870,7 +870,7 @@
             </a:ln>
             <a:extLst>
               <a:ext uri="{91240B29-F687-4f45-9708-019B960494DF}">
-                <a14:hiddenLine xmlns:a14="http://schemas.microsoft.com/office/drawing/2010/main" xmlns="" w="9525">
+                <a14:hiddenLine xmlns="" xmlns:a14="http://schemas.microsoft.com/office/drawing/2010/main" w="9525">
                   <a:solidFill>
                     <a:srgbClr val="000000"/>
                   </a:solidFill>
@@ -960,7 +960,7 @@
             </a:ln>
             <a:extLst>
               <a:ext uri="{91240B29-F687-4f45-9708-019B960494DF}">
-                <a14:hiddenLine xmlns:a14="http://schemas.microsoft.com/office/drawing/2010/main" xmlns="" w="9525">
+                <a14:hiddenLine xmlns="" xmlns:a14="http://schemas.microsoft.com/office/drawing/2010/main" w="9525">
                   <a:solidFill>
                     <a:srgbClr val="000000"/>
                   </a:solidFill>
@@ -1050,7 +1050,7 @@
             </a:ln>
             <a:extLst>
               <a:ext uri="{91240B29-F687-4f45-9708-019B960494DF}">
-                <a14:hiddenLine xmlns:a14="http://schemas.microsoft.com/office/drawing/2010/main" xmlns="" w="9525">
+                <a14:hiddenLine xmlns="" xmlns:a14="http://schemas.microsoft.com/office/drawing/2010/main" w="9525">
                   <a:solidFill>
                     <a:srgbClr val="000000"/>
                   </a:solidFill>
@@ -1112,7 +1112,7 @@
             </a:ln>
             <a:extLst>
               <a:ext uri="{91240B29-F687-4f45-9708-019B960494DF}">
-                <a14:hiddenLine xmlns:a14="http://schemas.microsoft.com/office/drawing/2010/main" xmlns="" w="9525">
+                <a14:hiddenLine xmlns="" xmlns:a14="http://schemas.microsoft.com/office/drawing/2010/main" w="9525">
                   <a:solidFill>
                     <a:srgbClr val="000000"/>
                   </a:solidFill>
@@ -1222,7 +1222,7 @@
             </a:ln>
             <a:extLst>
               <a:ext uri="{91240B29-F687-4f45-9708-019B960494DF}">
-                <a14:hiddenLine xmlns:a14="http://schemas.microsoft.com/office/drawing/2010/main" xmlns="" w="9525">
+                <a14:hiddenLine xmlns="" xmlns:a14="http://schemas.microsoft.com/office/drawing/2010/main" w="9525">
                   <a:solidFill>
                     <a:srgbClr val="000000"/>
                   </a:solidFill>
@@ -1284,7 +1284,7 @@
             </a:ln>
             <a:extLst>
               <a:ext uri="{91240B29-F687-4f45-9708-019B960494DF}">
-                <a14:hiddenLine xmlns:a14="http://schemas.microsoft.com/office/drawing/2010/main" xmlns="" w="9525">
+                <a14:hiddenLine xmlns="" xmlns:a14="http://schemas.microsoft.com/office/drawing/2010/main" w="9525">
                   <a:solidFill>
                     <a:srgbClr val="000000"/>
                   </a:solidFill>
@@ -1374,7 +1374,7 @@
             </a:ln>
             <a:extLst>
               <a:ext uri="{91240B29-F687-4f45-9708-019B960494DF}">
-                <a14:hiddenLine xmlns:a14="http://schemas.microsoft.com/office/drawing/2010/main" xmlns="" w="9525">
+                <a14:hiddenLine xmlns="" xmlns:a14="http://schemas.microsoft.com/office/drawing/2010/main" w="9525">
                   <a:solidFill>
                     <a:srgbClr val="000000"/>
                   </a:solidFill>
@@ -1464,7 +1464,7 @@
             </a:ln>
             <a:extLst>
               <a:ext uri="{91240B29-F687-4f45-9708-019B960494DF}">
-                <a14:hiddenLine xmlns:a14="http://schemas.microsoft.com/office/drawing/2010/main" xmlns="" w="9525">
+                <a14:hiddenLine xmlns="" xmlns:a14="http://schemas.microsoft.com/office/drawing/2010/main" w="9525">
                   <a:solidFill>
                     <a:srgbClr val="000000"/>
                   </a:solidFill>
@@ -1526,7 +1526,7 @@
             </a:ln>
             <a:extLst>
               <a:ext uri="{91240B29-F687-4f45-9708-019B960494DF}">
-                <a14:hiddenLine xmlns:a14="http://schemas.microsoft.com/office/drawing/2010/main" xmlns="" w="9525">
+                <a14:hiddenLine xmlns="" xmlns:a14="http://schemas.microsoft.com/office/drawing/2010/main" w="9525">
                   <a:solidFill>
                     <a:srgbClr val="000000"/>
                   </a:solidFill>
@@ -1616,7 +1616,7 @@
             </a:ln>
             <a:extLst>
               <a:ext uri="{91240B29-F687-4f45-9708-019B960494DF}">
-                <a14:hiddenLine xmlns:a14="http://schemas.microsoft.com/office/drawing/2010/main" xmlns="" w="9525">
+                <a14:hiddenLine xmlns="" xmlns:a14="http://schemas.microsoft.com/office/drawing/2010/main" w="9525">
                   <a:solidFill>
                     <a:srgbClr val="000000"/>
                   </a:solidFill>
@@ -1706,7 +1706,7 @@
             </a:ln>
             <a:extLst>
               <a:ext uri="{91240B29-F687-4f45-9708-019B960494DF}">
-                <a14:hiddenLine xmlns:a14="http://schemas.microsoft.com/office/drawing/2010/main" xmlns="" w="9525">
+                <a14:hiddenLine xmlns="" xmlns:a14="http://schemas.microsoft.com/office/drawing/2010/main" w="9525">
                   <a:solidFill>
                     <a:srgbClr val="000000"/>
                   </a:solidFill>
@@ -1762,7 +1762,7 @@
             </a:ln>
             <a:extLst>
               <a:ext uri="{91240B29-F687-4f45-9708-019B960494DF}">
-                <a14:hiddenLine xmlns:a14="http://schemas.microsoft.com/office/drawing/2010/main" xmlns="" w="9525">
+                <a14:hiddenLine xmlns="" xmlns:a14="http://schemas.microsoft.com/office/drawing/2010/main" w="9525">
                   <a:solidFill>
                     <a:srgbClr val="000000"/>
                   </a:solidFill>
@@ -1852,7 +1852,7 @@
             </a:ln>
             <a:extLst>
               <a:ext uri="{91240B29-F687-4f45-9708-019B960494DF}">
-                <a14:hiddenLine xmlns:a14="http://schemas.microsoft.com/office/drawing/2010/main" xmlns="" w="9525">
+                <a14:hiddenLine xmlns="" xmlns:a14="http://schemas.microsoft.com/office/drawing/2010/main" w="9525">
                   <a:solidFill>
                     <a:srgbClr val="000000"/>
                   </a:solidFill>
@@ -1908,7 +1908,7 @@
             </a:ln>
             <a:extLst>
               <a:ext uri="{91240B29-F687-4f45-9708-019B960494DF}">
-                <a14:hiddenLine xmlns:a14="http://schemas.microsoft.com/office/drawing/2010/main" xmlns="" w="9525">
+                <a14:hiddenLine xmlns="" xmlns:a14="http://schemas.microsoft.com/office/drawing/2010/main" w="9525">
                   <a:solidFill>
                     <a:srgbClr val="000000"/>
                   </a:solidFill>
@@ -1998,7 +1998,7 @@
             </a:ln>
             <a:extLst>
               <a:ext uri="{91240B29-F687-4f45-9708-019B960494DF}">
-                <a14:hiddenLine xmlns:a14="http://schemas.microsoft.com/office/drawing/2010/main" xmlns="" w="9525">
+                <a14:hiddenLine xmlns="" xmlns:a14="http://schemas.microsoft.com/office/drawing/2010/main" w="9525">
                   <a:solidFill>
                     <a:srgbClr val="000000"/>
                   </a:solidFill>
@@ -2066,7 +2066,7 @@
             </a:ln>
             <a:extLst>
               <a:ext uri="{91240B29-F687-4f45-9708-019B960494DF}">
-                <a14:hiddenLine xmlns:a14="http://schemas.microsoft.com/office/drawing/2010/main" xmlns="" w="9525">
+                <a14:hiddenLine xmlns="" xmlns:a14="http://schemas.microsoft.com/office/drawing/2010/main" w="9525">
                   <a:solidFill>
                     <a:srgbClr val="000000"/>
                   </a:solidFill>
@@ -2156,7 +2156,7 @@
             </a:ln>
             <a:extLst>
               <a:ext uri="{91240B29-F687-4f45-9708-019B960494DF}">
-                <a14:hiddenLine xmlns:a14="http://schemas.microsoft.com/office/drawing/2010/main" xmlns="" w="9525">
+                <a14:hiddenLine xmlns="" xmlns:a14="http://schemas.microsoft.com/office/drawing/2010/main" w="9525">
                   <a:solidFill>
                     <a:srgbClr val="000000"/>
                   </a:solidFill>
@@ -2224,7 +2224,7 @@
             </a:ln>
             <a:extLst>
               <a:ext uri="{91240B29-F687-4f45-9708-019B960494DF}">
-                <a14:hiddenLine xmlns:a14="http://schemas.microsoft.com/office/drawing/2010/main" xmlns="" w="9525">
+                <a14:hiddenLine xmlns="" xmlns:a14="http://schemas.microsoft.com/office/drawing/2010/main" w="9525">
                   <a:solidFill>
                     <a:srgbClr val="000000"/>
                   </a:solidFill>
@@ -2314,7 +2314,7 @@
             </a:ln>
             <a:extLst>
               <a:ext uri="{91240B29-F687-4f45-9708-019B960494DF}">
-                <a14:hiddenLine xmlns:a14="http://schemas.microsoft.com/office/drawing/2010/main" xmlns="" w="9525">
+                <a14:hiddenLine xmlns="" xmlns:a14="http://schemas.microsoft.com/office/drawing/2010/main" w="9525">
                   <a:solidFill>
                     <a:srgbClr val="000000"/>
                   </a:solidFill>
@@ -2348,7 +2348,7 @@
             </a:ln>
             <a:extLst>
               <a:ext uri="{91240B29-F687-4f45-9708-019B960494DF}">
-                <a14:hiddenLine xmlns:a14="http://schemas.microsoft.com/office/drawing/2010/main" xmlns="" w="9525">
+                <a14:hiddenLine xmlns="" xmlns:a14="http://schemas.microsoft.com/office/drawing/2010/main" w="9525">
                   <a:solidFill>
                     <a:srgbClr val="000000"/>
                   </a:solidFill>
@@ -2438,7 +2438,7 @@
             </a:ln>
             <a:extLst>
               <a:ext uri="{91240B29-F687-4f45-9708-019B960494DF}">
-                <a14:hiddenLine xmlns:a14="http://schemas.microsoft.com/office/drawing/2010/main" xmlns="" w="9525">
+                <a14:hiddenLine xmlns="" xmlns:a14="http://schemas.microsoft.com/office/drawing/2010/main" w="9525">
                   <a:solidFill>
                     <a:srgbClr val="000000"/>
                   </a:solidFill>
@@ -2500,7 +2500,7 @@
             </a:ln>
             <a:extLst>
               <a:ext uri="{91240B29-F687-4f45-9708-019B960494DF}">
-                <a14:hiddenLine xmlns:a14="http://schemas.microsoft.com/office/drawing/2010/main" xmlns="" w="9525">
+                <a14:hiddenLine xmlns="" xmlns:a14="http://schemas.microsoft.com/office/drawing/2010/main" w="9525">
                   <a:solidFill>
                     <a:srgbClr val="000000"/>
                   </a:solidFill>
@@ -2562,7 +2562,7 @@
             </a:ln>
             <a:extLst>
               <a:ext uri="{91240B29-F687-4f45-9708-019B960494DF}">
-                <a14:hiddenLine xmlns:a14="http://schemas.microsoft.com/office/drawing/2010/main" xmlns="" w="9525">
+                <a14:hiddenLine xmlns="" xmlns:a14="http://schemas.microsoft.com/office/drawing/2010/main" w="9525">
                   <a:solidFill>
                     <a:srgbClr val="000000"/>
                   </a:solidFill>
@@ -2652,7 +2652,7 @@
             </a:ln>
             <a:extLst>
               <a:ext uri="{91240B29-F687-4f45-9708-019B960494DF}">
-                <a14:hiddenLine xmlns:a14="http://schemas.microsoft.com/office/drawing/2010/main" xmlns="" w="9525">
+                <a14:hiddenLine xmlns="" xmlns:a14="http://schemas.microsoft.com/office/drawing/2010/main" w="9525">
                   <a:solidFill>
                     <a:srgbClr val="000000"/>
                   </a:solidFill>
@@ -2720,7 +2720,7 @@
             </a:ln>
             <a:extLst>
               <a:ext uri="{91240B29-F687-4f45-9708-019B960494DF}">
-                <a14:hiddenLine xmlns:a14="http://schemas.microsoft.com/office/drawing/2010/main" xmlns="" w="9525">
+                <a14:hiddenLine xmlns="" xmlns:a14="http://schemas.microsoft.com/office/drawing/2010/main" w="9525">
                   <a:solidFill>
                     <a:srgbClr val="000000"/>
                   </a:solidFill>
@@ -2782,7 +2782,7 @@
             </a:ln>
             <a:extLst>
               <a:ext uri="{91240B29-F687-4f45-9708-019B960494DF}">
-                <a14:hiddenLine xmlns:a14="http://schemas.microsoft.com/office/drawing/2010/main" xmlns="" w="9525">
+                <a14:hiddenLine xmlns="" xmlns:a14="http://schemas.microsoft.com/office/drawing/2010/main" w="9525">
                   <a:solidFill>
                     <a:srgbClr val="000000"/>
                   </a:solidFill>
@@ -2872,7 +2872,7 @@
             </a:ln>
             <a:extLst>
               <a:ext uri="{91240B29-F687-4f45-9708-019B960494DF}">
-                <a14:hiddenLine xmlns:a14="http://schemas.microsoft.com/office/drawing/2010/main" xmlns="" w="9525">
+                <a14:hiddenLine xmlns="" xmlns:a14="http://schemas.microsoft.com/office/drawing/2010/main" w="9525">
                   <a:solidFill>
                     <a:srgbClr val="000000"/>
                   </a:solidFill>
@@ -2934,7 +2934,7 @@
             </a:ln>
             <a:extLst>
               <a:ext uri="{91240B29-F687-4f45-9708-019B960494DF}">
-                <a14:hiddenLine xmlns:a14="http://schemas.microsoft.com/office/drawing/2010/main" xmlns="" w="9525">
+                <a14:hiddenLine xmlns="" xmlns:a14="http://schemas.microsoft.com/office/drawing/2010/main" w="9525">
                   <a:solidFill>
                     <a:srgbClr val="000000"/>
                   </a:solidFill>
@@ -3024,7 +3024,7 @@
             </a:ln>
             <a:extLst>
               <a:ext uri="{91240B29-F687-4f45-9708-019B960494DF}">
-                <a14:hiddenLine xmlns:a14="http://schemas.microsoft.com/office/drawing/2010/main" xmlns="" w="9525">
+                <a14:hiddenLine xmlns="" xmlns:a14="http://schemas.microsoft.com/office/drawing/2010/main" w="9525">
                   <a:solidFill>
                     <a:srgbClr val="000000"/>
                   </a:solidFill>
@@ -3086,7 +3086,7 @@
             </a:ln>
             <a:extLst>
               <a:ext uri="{91240B29-F687-4f45-9708-019B960494DF}">
-                <a14:hiddenLine xmlns:a14="http://schemas.microsoft.com/office/drawing/2010/main" xmlns="" w="9525">
+                <a14:hiddenLine xmlns="" xmlns:a14="http://schemas.microsoft.com/office/drawing/2010/main" w="9525">
                   <a:solidFill>
                     <a:srgbClr val="000000"/>
                   </a:solidFill>
@@ -3176,7 +3176,7 @@
             </a:ln>
             <a:extLst>
               <a:ext uri="{91240B29-F687-4f45-9708-019B960494DF}">
-                <a14:hiddenLine xmlns:a14="http://schemas.microsoft.com/office/drawing/2010/main" xmlns="" w="9525">
+                <a14:hiddenLine xmlns="" xmlns:a14="http://schemas.microsoft.com/office/drawing/2010/main" w="9525">
                   <a:solidFill>
                     <a:srgbClr val="000000"/>
                   </a:solidFill>
@@ -3210,7 +3210,7 @@
             </a:ln>
             <a:extLst>
               <a:ext uri="{91240B29-F687-4f45-9708-019B960494DF}">
-                <a14:hiddenLine xmlns:a14="http://schemas.microsoft.com/office/drawing/2010/main" xmlns="" w="9525">
+                <a14:hiddenLine xmlns="" xmlns:a14="http://schemas.microsoft.com/office/drawing/2010/main" w="9525">
                   <a:solidFill>
                     <a:srgbClr val="000000"/>
                   </a:solidFill>
@@ -3275,7 +3275,7 @@
             </a:ln>
             <a:extLst>
               <a:ext uri="{91240B29-F687-4f45-9708-019B960494DF}">
-                <a14:hiddenLine xmlns:a14="http://schemas.microsoft.com/office/drawing/2010/main" xmlns="" w="9525">
+                <a14:hiddenLine xmlns="" xmlns:a14="http://schemas.microsoft.com/office/drawing/2010/main" w="9525">
                   <a:solidFill>
                     <a:srgbClr val="000000"/>
                   </a:solidFill>
@@ -3365,7 +3365,7 @@
             </a:ln>
             <a:extLst>
               <a:ext uri="{91240B29-F687-4f45-9708-019B960494DF}">
-                <a14:hiddenLine xmlns:a14="http://schemas.microsoft.com/office/drawing/2010/main" xmlns="" w="9525">
+                <a14:hiddenLine xmlns="" xmlns:a14="http://schemas.microsoft.com/office/drawing/2010/main" w="9525">
                   <a:solidFill>
                     <a:srgbClr val="000000"/>
                   </a:solidFill>
@@ -3427,7 +3427,7 @@
             </a:ln>
             <a:extLst>
               <a:ext uri="{91240B29-F687-4f45-9708-019B960494DF}">
-                <a14:hiddenLine xmlns:a14="http://schemas.microsoft.com/office/drawing/2010/main" xmlns="" w="9525">
+                <a14:hiddenLine xmlns="" xmlns:a14="http://schemas.microsoft.com/office/drawing/2010/main" w="9525">
                   <a:solidFill>
                     <a:srgbClr val="000000"/>
                   </a:solidFill>
@@ -3517,7 +3517,7 @@
             </a:ln>
             <a:extLst>
               <a:ext uri="{91240B29-F687-4f45-9708-019B960494DF}">
-                <a14:hiddenLine xmlns:a14="http://schemas.microsoft.com/office/drawing/2010/main" xmlns="" w="9525">
+                <a14:hiddenLine xmlns="" xmlns:a14="http://schemas.microsoft.com/office/drawing/2010/main" w="9525">
                   <a:solidFill>
                     <a:srgbClr val="000000"/>
                   </a:solidFill>
@@ -3607,7 +3607,7 @@
             </a:ln>
             <a:extLst>
               <a:ext uri="{91240B29-F687-4f45-9708-019B960494DF}">
-                <a14:hiddenLine xmlns:a14="http://schemas.microsoft.com/office/drawing/2010/main" xmlns="" w="9525">
+                <a14:hiddenLine xmlns="" xmlns:a14="http://schemas.microsoft.com/office/drawing/2010/main" w="9525">
                   <a:solidFill>
                     <a:srgbClr val="000000"/>
                   </a:solidFill>
@@ -3672,7 +3672,7 @@
             </a:ln>
             <a:extLst>
               <a:ext uri="{91240B29-F687-4f45-9708-019B960494DF}">
-                <a14:hiddenLine xmlns:a14="http://schemas.microsoft.com/office/drawing/2010/main" xmlns="" w="9525">
+                <a14:hiddenLine xmlns="" xmlns:a14="http://schemas.microsoft.com/office/drawing/2010/main" w="9525">
                   <a:solidFill>
                     <a:srgbClr val="000000"/>
                   </a:solidFill>
@@ -3734,7 +3734,7 @@
             </a:ln>
             <a:extLst>
               <a:ext uri="{91240B29-F687-4f45-9708-019B960494DF}">
-                <a14:hiddenLine xmlns:a14="http://schemas.microsoft.com/office/drawing/2010/main" xmlns="" w="9525">
+                <a14:hiddenLine xmlns="" xmlns:a14="http://schemas.microsoft.com/office/drawing/2010/main" w="9525">
                   <a:solidFill>
                     <a:srgbClr val="000000"/>
                   </a:solidFill>
@@ -3824,7 +3824,7 @@
             </a:ln>
             <a:extLst>
               <a:ext uri="{91240B29-F687-4f45-9708-019B960494DF}">
-                <a14:hiddenLine xmlns:a14="http://schemas.microsoft.com/office/drawing/2010/main" xmlns="" w="9525">
+                <a14:hiddenLine xmlns="" xmlns:a14="http://schemas.microsoft.com/office/drawing/2010/main" w="9525">
                   <a:solidFill>
                     <a:srgbClr val="000000"/>
                   </a:solidFill>
@@ -3914,7 +3914,7 @@
             </a:ln>
             <a:extLst>
               <a:ext uri="{91240B29-F687-4f45-9708-019B960494DF}">
-                <a14:hiddenLine xmlns:a14="http://schemas.microsoft.com/office/drawing/2010/main" xmlns="" w="9525">
+                <a14:hiddenLine xmlns="" xmlns:a14="http://schemas.microsoft.com/office/drawing/2010/main" w="9525">
                   <a:solidFill>
                     <a:srgbClr val="000000"/>
                   </a:solidFill>
@@ -3976,7 +3976,7 @@
             </a:ln>
             <a:extLst>
               <a:ext uri="{91240B29-F687-4f45-9708-019B960494DF}">
-                <a14:hiddenLine xmlns:a14="http://schemas.microsoft.com/office/drawing/2010/main" xmlns="" w="9525">
+                <a14:hiddenLine xmlns="" xmlns:a14="http://schemas.microsoft.com/office/drawing/2010/main" w="9525">
                   <a:solidFill>
                     <a:srgbClr val="000000"/>
                   </a:solidFill>
@@ -4096,7 +4096,7 @@
             </a:ln>
             <a:extLst>
               <a:ext uri="{91240B29-F687-4f45-9708-019B960494DF}">
-                <a14:hiddenLine xmlns:a14="http://schemas.microsoft.com/office/drawing/2010/main" xmlns="" w="9525">
+                <a14:hiddenLine xmlns="" xmlns:a14="http://schemas.microsoft.com/office/drawing/2010/main" w="9525">
                   <a:solidFill>
                     <a:srgbClr val="000000"/>
                   </a:solidFill>
@@ -4164,7 +4164,7 @@
             </a:ln>
             <a:extLst>
               <a:ext uri="{91240B29-F687-4f45-9708-019B960494DF}">
-                <a14:hiddenLine xmlns:a14="http://schemas.microsoft.com/office/drawing/2010/main" xmlns="" w="9525">
+                <a14:hiddenLine xmlns="" xmlns:a14="http://schemas.microsoft.com/office/drawing/2010/main" w="9525">
                   <a:solidFill>
                     <a:srgbClr val="000000"/>
                   </a:solidFill>
@@ -4254,7 +4254,7 @@
             </a:ln>
             <a:extLst>
               <a:ext uri="{91240B29-F687-4f45-9708-019B960494DF}">
-                <a14:hiddenLine xmlns:a14="http://schemas.microsoft.com/office/drawing/2010/main" xmlns="" w="9525">
+                <a14:hiddenLine xmlns="" xmlns:a14="http://schemas.microsoft.com/office/drawing/2010/main" w="9525">
                   <a:solidFill>
                     <a:srgbClr val="000000"/>
                   </a:solidFill>
@@ -4394,7 +4394,7 @@
           <a:p>
             <a:fld id="{2E926A16-FCB2-493B-91B5-D55853418282}" type="datetimeFigureOut">
               <a:rPr lang="en-US" smtClean="0"/>
-              <a:t>11/27/2018</a:t>
+              <a:t>11/28/2018</a:t>
             </a:fld>
             <a:endParaRPr lang="en-US"/>
           </a:p>
@@ -4661,7 +4661,7 @@
           <a:p>
             <a:fld id="{2E926A16-FCB2-493B-91B5-D55853418282}" type="datetimeFigureOut">
               <a:rPr lang="en-US" smtClean="0"/>
-              <a:t>11/27/2018</a:t>
+              <a:t>11/28/2018</a:t>
             </a:fld>
             <a:endParaRPr lang="en-US"/>
           </a:p>
@@ -4857,7 +4857,7 @@
           <a:p>
             <a:fld id="{2E926A16-FCB2-493B-91B5-D55853418282}" type="datetimeFigureOut">
               <a:rPr lang="en-US" smtClean="0"/>
-              <a:t>11/27/2018</a:t>
+              <a:t>11/28/2018</a:t>
             </a:fld>
             <a:endParaRPr lang="en-US"/>
           </a:p>
@@ -5120,7 +5120,7 @@
           <a:p>
             <a:fld id="{2E926A16-FCB2-493B-91B5-D55853418282}" type="datetimeFigureOut">
               <a:rPr lang="en-US" smtClean="0"/>
-              <a:t>11/27/2018</a:t>
+              <a:t>11/28/2018</a:t>
             </a:fld>
             <a:endParaRPr lang="en-US"/>
           </a:p>
@@ -5554,7 +5554,7 @@
           <a:p>
             <a:fld id="{2E926A16-FCB2-493B-91B5-D55853418282}" type="datetimeFigureOut">
               <a:rPr lang="en-US" smtClean="0"/>
-              <a:t>11/27/2018</a:t>
+              <a:t>11/28/2018</a:t>
             </a:fld>
             <a:endParaRPr lang="en-US"/>
           </a:p>
@@ -6100,7 +6100,7 @@
           <a:p>
             <a:fld id="{2E926A16-FCB2-493B-91B5-D55853418282}" type="datetimeFigureOut">
               <a:rPr lang="en-US" smtClean="0"/>
-              <a:t>11/27/2018</a:t>
+              <a:t>11/28/2018</a:t>
             </a:fld>
             <a:endParaRPr lang="en-US"/>
           </a:p>
@@ -6820,7 +6820,7 @@
           <a:p>
             <a:fld id="{2E926A16-FCB2-493B-91B5-D55853418282}" type="datetimeFigureOut">
               <a:rPr lang="en-US" smtClean="0"/>
-              <a:t>11/27/2018</a:t>
+              <a:t>11/28/2018</a:t>
             </a:fld>
             <a:endParaRPr lang="en-US"/>
           </a:p>
@@ -6990,7 +6990,7 @@
           <a:p>
             <a:fld id="{2E926A16-FCB2-493B-91B5-D55853418282}" type="datetimeFigureOut">
               <a:rPr lang="en-US" smtClean="0"/>
-              <a:t>11/27/2018</a:t>
+              <a:t>11/28/2018</a:t>
             </a:fld>
             <a:endParaRPr lang="en-US"/>
           </a:p>
@@ -7170,7 +7170,7 @@
           <a:p>
             <a:fld id="{2E926A16-FCB2-493B-91B5-D55853418282}" type="datetimeFigureOut">
               <a:rPr lang="en-US" smtClean="0"/>
-              <a:t>11/27/2018</a:t>
+              <a:t>11/28/2018</a:t>
             </a:fld>
             <a:endParaRPr lang="en-US"/>
           </a:p>
@@ -7340,7 +7340,7 @@
           <a:p>
             <a:fld id="{2E926A16-FCB2-493B-91B5-D55853418282}" type="datetimeFigureOut">
               <a:rPr lang="en-US" smtClean="0"/>
-              <a:t>11/27/2018</a:t>
+              <a:t>11/28/2018</a:t>
             </a:fld>
             <a:endParaRPr lang="en-US"/>
           </a:p>
@@ -7590,7 +7590,7 @@
           <a:p>
             <a:fld id="{2E926A16-FCB2-493B-91B5-D55853418282}" type="datetimeFigureOut">
               <a:rPr lang="en-US" smtClean="0"/>
-              <a:t>11/27/2018</a:t>
+              <a:t>11/28/2018</a:t>
             </a:fld>
             <a:endParaRPr lang="en-US"/>
           </a:p>
@@ -7822,7 +7822,7 @@
           <a:p>
             <a:fld id="{2E926A16-FCB2-493B-91B5-D55853418282}" type="datetimeFigureOut">
               <a:rPr lang="en-US" smtClean="0"/>
-              <a:t>11/27/2018</a:t>
+              <a:t>11/28/2018</a:t>
             </a:fld>
             <a:endParaRPr lang="en-US"/>
           </a:p>
@@ -8203,7 +8203,7 @@
           <a:p>
             <a:fld id="{2E926A16-FCB2-493B-91B5-D55853418282}" type="datetimeFigureOut">
               <a:rPr lang="en-US" smtClean="0"/>
-              <a:t>11/27/2018</a:t>
+              <a:t>11/28/2018</a:t>
             </a:fld>
             <a:endParaRPr lang="en-US"/>
           </a:p>
@@ -8321,7 +8321,7 @@
           <a:p>
             <a:fld id="{2E926A16-FCB2-493B-91B5-D55853418282}" type="datetimeFigureOut">
               <a:rPr lang="en-US" smtClean="0"/>
-              <a:t>11/27/2018</a:t>
+              <a:t>11/28/2018</a:t>
             </a:fld>
             <a:endParaRPr lang="en-US"/>
           </a:p>
@@ -8416,7 +8416,7 @@
           <a:p>
             <a:fld id="{2E926A16-FCB2-493B-91B5-D55853418282}" type="datetimeFigureOut">
               <a:rPr lang="en-US" smtClean="0"/>
-              <a:t>11/27/2018</a:t>
+              <a:t>11/28/2018</a:t>
             </a:fld>
             <a:endParaRPr lang="en-US"/>
           </a:p>
@@ -8665,7 +8665,7 @@
           <a:p>
             <a:fld id="{2E926A16-FCB2-493B-91B5-D55853418282}" type="datetimeFigureOut">
               <a:rPr lang="en-US" smtClean="0"/>
-              <a:t>11/27/2018</a:t>
+              <a:t>11/28/2018</a:t>
             </a:fld>
             <a:endParaRPr lang="en-US"/>
           </a:p>
@@ -8945,7 +8945,7 @@
           <a:p>
             <a:fld id="{2E926A16-FCB2-493B-91B5-D55853418282}" type="datetimeFigureOut">
               <a:rPr lang="en-US" smtClean="0"/>
-              <a:t>11/27/2018</a:t>
+              <a:t>11/28/2018</a:t>
             </a:fld>
             <a:endParaRPr lang="en-US"/>
           </a:p>
@@ -9061,7 +9061,7 @@
           <a:noFill/>
           <a:extLst>
             <a:ext uri="{909E8E84-426E-40dd-AFC4-6F175D3DCCD1}">
-              <a14:hiddenFill xmlns:a14="http://schemas.microsoft.com/office/drawing/2010/main" xmlns="">
+              <a14:hiddenFill xmlns="" xmlns:a14="http://schemas.microsoft.com/office/drawing/2010/main">
                 <a:solidFill>
                   <a:srgbClr val="FFFFFF"/>
                 </a:solidFill>
@@ -9135,7 +9135,7 @@
               </a:ln>
               <a:extLst>
                 <a:ext uri="{91240B29-F687-4f45-9708-019B960494DF}">
-                  <a14:hiddenLine xmlns:a14="http://schemas.microsoft.com/office/drawing/2010/main" xmlns="" w="9525">
+                  <a14:hiddenLine xmlns="" xmlns:a14="http://schemas.microsoft.com/office/drawing/2010/main" w="9525">
                     <a:solidFill>
                       <a:srgbClr val="000000"/>
                     </a:solidFill>
@@ -9225,7 +9225,7 @@
               </a:ln>
               <a:extLst>
                 <a:ext uri="{91240B29-F687-4f45-9708-019B960494DF}">
-                  <a14:hiddenLine xmlns:a14="http://schemas.microsoft.com/office/drawing/2010/main" xmlns="" w="9525">
+                  <a14:hiddenLine xmlns="" xmlns:a14="http://schemas.microsoft.com/office/drawing/2010/main" w="9525">
                     <a:solidFill>
                       <a:srgbClr val="000000"/>
                     </a:solidFill>
@@ -9315,7 +9315,7 @@
               </a:ln>
               <a:extLst>
                 <a:ext uri="{91240B29-F687-4f45-9708-019B960494DF}">
-                  <a14:hiddenLine xmlns:a14="http://schemas.microsoft.com/office/drawing/2010/main" xmlns="" w="9525">
+                  <a14:hiddenLine xmlns="" xmlns:a14="http://schemas.microsoft.com/office/drawing/2010/main" w="9525">
                     <a:solidFill>
                       <a:srgbClr val="000000"/>
                     </a:solidFill>
@@ -9377,7 +9377,7 @@
               </a:ln>
               <a:extLst>
                 <a:ext uri="{91240B29-F687-4f45-9708-019B960494DF}">
-                  <a14:hiddenLine xmlns:a14="http://schemas.microsoft.com/office/drawing/2010/main" xmlns="" w="9525">
+                  <a14:hiddenLine xmlns="" xmlns:a14="http://schemas.microsoft.com/office/drawing/2010/main" w="9525">
                     <a:solidFill>
                       <a:srgbClr val="000000"/>
                     </a:solidFill>
@@ -9467,7 +9467,7 @@
               </a:ln>
               <a:extLst>
                 <a:ext uri="{91240B29-F687-4f45-9708-019B960494DF}">
-                  <a14:hiddenLine xmlns:a14="http://schemas.microsoft.com/office/drawing/2010/main" xmlns="" w="9525">
+                  <a14:hiddenLine xmlns="" xmlns:a14="http://schemas.microsoft.com/office/drawing/2010/main" w="9525">
                     <a:solidFill>
                       <a:srgbClr val="000000"/>
                     </a:solidFill>
@@ -9529,7 +9529,7 @@
               </a:ln>
               <a:extLst>
                 <a:ext uri="{91240B29-F687-4f45-9708-019B960494DF}">
-                  <a14:hiddenLine xmlns:a14="http://schemas.microsoft.com/office/drawing/2010/main" xmlns="" w="9525">
+                  <a14:hiddenLine xmlns="" xmlns:a14="http://schemas.microsoft.com/office/drawing/2010/main" w="9525">
                     <a:solidFill>
                       <a:srgbClr val="000000"/>
                     </a:solidFill>
@@ -9591,7 +9591,7 @@
               </a:ln>
               <a:extLst>
                 <a:ext uri="{91240B29-F687-4f45-9708-019B960494DF}">
-                  <a14:hiddenLine xmlns:a14="http://schemas.microsoft.com/office/drawing/2010/main" xmlns="" w="9525">
+                  <a14:hiddenLine xmlns="" xmlns:a14="http://schemas.microsoft.com/office/drawing/2010/main" w="9525">
                     <a:solidFill>
                       <a:srgbClr val="000000"/>
                     </a:solidFill>
@@ -9681,7 +9681,7 @@
               </a:ln>
               <a:extLst>
                 <a:ext uri="{91240B29-F687-4f45-9708-019B960494DF}">
-                  <a14:hiddenLine xmlns:a14="http://schemas.microsoft.com/office/drawing/2010/main" xmlns="" w="9525">
+                  <a14:hiddenLine xmlns="" xmlns:a14="http://schemas.microsoft.com/office/drawing/2010/main" w="9525">
                     <a:solidFill>
                       <a:srgbClr val="000000"/>
                     </a:solidFill>
@@ -9771,7 +9771,7 @@
               </a:ln>
               <a:extLst>
                 <a:ext uri="{91240B29-F687-4f45-9708-019B960494DF}">
-                  <a14:hiddenLine xmlns:a14="http://schemas.microsoft.com/office/drawing/2010/main" xmlns="" w="9525">
+                  <a14:hiddenLine xmlns="" xmlns:a14="http://schemas.microsoft.com/office/drawing/2010/main" w="9525">
                     <a:solidFill>
                       <a:srgbClr val="000000"/>
                     </a:solidFill>
@@ -9833,7 +9833,7 @@
               </a:ln>
               <a:extLst>
                 <a:ext uri="{91240B29-F687-4f45-9708-019B960494DF}">
-                  <a14:hiddenLine xmlns:a14="http://schemas.microsoft.com/office/drawing/2010/main" xmlns="" w="9525">
+                  <a14:hiddenLine xmlns="" xmlns:a14="http://schemas.microsoft.com/office/drawing/2010/main" w="9525">
                     <a:solidFill>
                       <a:srgbClr val="000000"/>
                     </a:solidFill>
@@ -9943,7 +9943,7 @@
               </a:ln>
               <a:extLst>
                 <a:ext uri="{91240B29-F687-4f45-9708-019B960494DF}">
-                  <a14:hiddenLine xmlns:a14="http://schemas.microsoft.com/office/drawing/2010/main" xmlns="" w="9525">
+                  <a14:hiddenLine xmlns="" xmlns:a14="http://schemas.microsoft.com/office/drawing/2010/main" w="9525">
                     <a:solidFill>
                       <a:srgbClr val="000000"/>
                     </a:solidFill>
@@ -10027,7 +10027,7 @@
               </a:ln>
               <a:extLst>
                 <a:ext uri="{91240B29-F687-4f45-9708-019B960494DF}">
-                  <a14:hiddenLine xmlns:a14="http://schemas.microsoft.com/office/drawing/2010/main" xmlns="" w="9525">
+                  <a14:hiddenLine xmlns="" xmlns:a14="http://schemas.microsoft.com/office/drawing/2010/main" w="9525">
                     <a:solidFill>
                       <a:srgbClr val="000000"/>
                     </a:solidFill>
@@ -10089,7 +10089,7 @@
               </a:ln>
               <a:extLst>
                 <a:ext uri="{91240B29-F687-4f45-9708-019B960494DF}">
-                  <a14:hiddenLine xmlns:a14="http://schemas.microsoft.com/office/drawing/2010/main" xmlns="" w="9525">
+                  <a14:hiddenLine xmlns="" xmlns:a14="http://schemas.microsoft.com/office/drawing/2010/main" w="9525">
                     <a:solidFill>
                       <a:srgbClr val="000000"/>
                     </a:solidFill>
@@ -10151,7 +10151,7 @@
               </a:ln>
               <a:extLst>
                 <a:ext uri="{91240B29-F687-4f45-9708-019B960494DF}">
-                  <a14:hiddenLine xmlns:a14="http://schemas.microsoft.com/office/drawing/2010/main" xmlns="" w="9525">
+                  <a14:hiddenLine xmlns="" xmlns:a14="http://schemas.microsoft.com/office/drawing/2010/main" w="9525">
                     <a:solidFill>
                       <a:srgbClr val="000000"/>
                     </a:solidFill>
@@ -10241,7 +10241,7 @@
               </a:ln>
               <a:extLst>
                 <a:ext uri="{91240B29-F687-4f45-9708-019B960494DF}">
-                  <a14:hiddenLine xmlns:a14="http://schemas.microsoft.com/office/drawing/2010/main" xmlns="" w="9525">
+                  <a14:hiddenLine xmlns="" xmlns:a14="http://schemas.microsoft.com/office/drawing/2010/main" w="9525">
                     <a:solidFill>
                       <a:srgbClr val="000000"/>
                     </a:solidFill>
@@ -10275,7 +10275,7 @@
               </a:ln>
               <a:extLst>
                 <a:ext uri="{91240B29-F687-4f45-9708-019B960494DF}">
-                  <a14:hiddenLine xmlns:a14="http://schemas.microsoft.com/office/drawing/2010/main" xmlns="" w="9525">
+                  <a14:hiddenLine xmlns="" xmlns:a14="http://schemas.microsoft.com/office/drawing/2010/main" w="9525">
                     <a:solidFill>
                       <a:srgbClr val="000000"/>
                     </a:solidFill>
@@ -10340,7 +10340,7 @@
               </a:ln>
               <a:extLst>
                 <a:ext uri="{91240B29-F687-4f45-9708-019B960494DF}">
-                  <a14:hiddenLine xmlns:a14="http://schemas.microsoft.com/office/drawing/2010/main" xmlns="" w="9525">
+                  <a14:hiddenLine xmlns="" xmlns:a14="http://schemas.microsoft.com/office/drawing/2010/main" w="9525">
                     <a:solidFill>
                       <a:srgbClr val="000000"/>
                     </a:solidFill>
@@ -10430,7 +10430,7 @@
               </a:ln>
               <a:extLst>
                 <a:ext uri="{91240B29-F687-4f45-9708-019B960494DF}">
-                  <a14:hiddenLine xmlns:a14="http://schemas.microsoft.com/office/drawing/2010/main" xmlns="" w="9525">
+                  <a14:hiddenLine xmlns="" xmlns:a14="http://schemas.microsoft.com/office/drawing/2010/main" w="9525">
                     <a:solidFill>
                       <a:srgbClr val="000000"/>
                     </a:solidFill>
@@ -10492,7 +10492,7 @@
               </a:ln>
               <a:extLst>
                 <a:ext uri="{91240B29-F687-4f45-9708-019B960494DF}">
-                  <a14:hiddenLine xmlns:a14="http://schemas.microsoft.com/office/drawing/2010/main" xmlns="" w="9525">
+                  <a14:hiddenLine xmlns="" xmlns:a14="http://schemas.microsoft.com/office/drawing/2010/main" w="9525">
                     <a:solidFill>
                       <a:srgbClr val="000000"/>
                     </a:solidFill>
@@ -10582,7 +10582,7 @@
               </a:ln>
               <a:extLst>
                 <a:ext uri="{91240B29-F687-4f45-9708-019B960494DF}">
-                  <a14:hiddenLine xmlns:a14="http://schemas.microsoft.com/office/drawing/2010/main" xmlns="" w="9525">
+                  <a14:hiddenLine xmlns="" xmlns:a14="http://schemas.microsoft.com/office/drawing/2010/main" w="9525">
                     <a:solidFill>
                       <a:srgbClr val="000000"/>
                     </a:solidFill>
@@ -10647,7 +10647,7 @@
               </a:ln>
               <a:extLst>
                 <a:ext uri="{91240B29-F687-4f45-9708-019B960494DF}">
-                  <a14:hiddenLine xmlns:a14="http://schemas.microsoft.com/office/drawing/2010/main" xmlns="" w="9525">
+                  <a14:hiddenLine xmlns="" xmlns:a14="http://schemas.microsoft.com/office/drawing/2010/main" w="9525">
                     <a:solidFill>
                       <a:srgbClr val="000000"/>
                     </a:solidFill>
@@ -10709,7 +10709,7 @@
               </a:ln>
               <a:extLst>
                 <a:ext uri="{91240B29-F687-4f45-9708-019B960494DF}">
-                  <a14:hiddenLine xmlns:a14="http://schemas.microsoft.com/office/drawing/2010/main" xmlns="" w="9525">
+                  <a14:hiddenLine xmlns="" xmlns:a14="http://schemas.microsoft.com/office/drawing/2010/main" w="9525">
                     <a:solidFill>
                       <a:srgbClr val="000000"/>
                     </a:solidFill>
@@ -10799,7 +10799,7 @@
               </a:ln>
               <a:extLst>
                 <a:ext uri="{91240B29-F687-4f45-9708-019B960494DF}">
-                  <a14:hiddenLine xmlns:a14="http://schemas.microsoft.com/office/drawing/2010/main" xmlns="" w="9525">
+                  <a14:hiddenLine xmlns="" xmlns:a14="http://schemas.microsoft.com/office/drawing/2010/main" w="9525">
                     <a:solidFill>
                       <a:srgbClr val="000000"/>
                     </a:solidFill>
@@ -10889,7 +10889,7 @@
               </a:ln>
               <a:extLst>
                 <a:ext uri="{91240B29-F687-4f45-9708-019B960494DF}">
-                  <a14:hiddenLine xmlns:a14="http://schemas.microsoft.com/office/drawing/2010/main" xmlns="" w="9525">
+                  <a14:hiddenLine xmlns="" xmlns:a14="http://schemas.microsoft.com/office/drawing/2010/main" w="9525">
                     <a:solidFill>
                       <a:srgbClr val="000000"/>
                     </a:solidFill>
@@ -10954,7 +10954,7 @@
               </a:ln>
               <a:extLst>
                 <a:ext uri="{91240B29-F687-4f45-9708-019B960494DF}">
-                  <a14:hiddenLine xmlns:a14="http://schemas.microsoft.com/office/drawing/2010/main" xmlns="" w="9525">
+                  <a14:hiddenLine xmlns="" xmlns:a14="http://schemas.microsoft.com/office/drawing/2010/main" w="9525">
                     <a:solidFill>
                       <a:srgbClr val="000000"/>
                     </a:solidFill>
@@ -11074,7 +11074,7 @@
               </a:ln>
               <a:extLst>
                 <a:ext uri="{91240B29-F687-4f45-9708-019B960494DF}">
-                  <a14:hiddenLine xmlns:a14="http://schemas.microsoft.com/office/drawing/2010/main" xmlns="" w="9525">
+                  <a14:hiddenLine xmlns="" xmlns:a14="http://schemas.microsoft.com/office/drawing/2010/main" w="9525">
                     <a:solidFill>
                       <a:srgbClr val="000000"/>
                     </a:solidFill>
@@ -11172,7 +11172,7 @@
               </a:ln>
               <a:extLst>
                 <a:ext uri="{91240B29-F687-4f45-9708-019B960494DF}">
-                  <a14:hiddenLine xmlns:a14="http://schemas.microsoft.com/office/drawing/2010/main" xmlns="" w="9525">
+                  <a14:hiddenLine xmlns="" xmlns:a14="http://schemas.microsoft.com/office/drawing/2010/main" w="9525">
                     <a:solidFill>
                       <a:srgbClr val="000000"/>
                     </a:solidFill>
@@ -11287,7 +11287,7 @@
               </a:ln>
               <a:extLst>
                 <a:ext uri="{91240B29-F687-4f45-9708-019B960494DF}">
-                  <a14:hiddenLine xmlns:a14="http://schemas.microsoft.com/office/drawing/2010/main" xmlns="" w="9525">
+                  <a14:hiddenLine xmlns="" xmlns:a14="http://schemas.microsoft.com/office/drawing/2010/main" w="9525">
                     <a:solidFill>
                       <a:srgbClr val="000000"/>
                     </a:solidFill>
@@ -11377,7 +11377,7 @@
               </a:ln>
               <a:extLst>
                 <a:ext uri="{91240B29-F687-4f45-9708-019B960494DF}">
-                  <a14:hiddenLine xmlns:a14="http://schemas.microsoft.com/office/drawing/2010/main" xmlns="" w="9525">
+                  <a14:hiddenLine xmlns="" xmlns:a14="http://schemas.microsoft.com/office/drawing/2010/main" w="9525">
                     <a:solidFill>
                       <a:srgbClr val="000000"/>
                     </a:solidFill>
@@ -11442,7 +11442,7 @@
               </a:ln>
               <a:extLst>
                 <a:ext uri="{91240B29-F687-4f45-9708-019B960494DF}">
-                  <a14:hiddenLine xmlns:a14="http://schemas.microsoft.com/office/drawing/2010/main" xmlns="" w="9525">
+                  <a14:hiddenLine xmlns="" xmlns:a14="http://schemas.microsoft.com/office/drawing/2010/main" w="9525">
                     <a:solidFill>
                       <a:srgbClr val="000000"/>
                     </a:solidFill>
@@ -11532,7 +11532,7 @@
               </a:ln>
               <a:extLst>
                 <a:ext uri="{91240B29-F687-4f45-9708-019B960494DF}">
-                  <a14:hiddenLine xmlns:a14="http://schemas.microsoft.com/office/drawing/2010/main" xmlns="" w="9525">
+                  <a14:hiddenLine xmlns="" xmlns:a14="http://schemas.microsoft.com/office/drawing/2010/main" w="9525">
                     <a:solidFill>
                       <a:srgbClr val="000000"/>
                     </a:solidFill>
@@ -11600,7 +11600,7 @@
               </a:ln>
               <a:extLst>
                 <a:ext uri="{91240B29-F687-4f45-9708-019B960494DF}">
-                  <a14:hiddenLine xmlns:a14="http://schemas.microsoft.com/office/drawing/2010/main" xmlns="" w="9525">
+                  <a14:hiddenLine xmlns="" xmlns:a14="http://schemas.microsoft.com/office/drawing/2010/main" w="9525">
                     <a:solidFill>
                       <a:srgbClr val="000000"/>
                     </a:solidFill>
@@ -11690,7 +11690,7 @@
               </a:ln>
               <a:extLst>
                 <a:ext uri="{91240B29-F687-4f45-9708-019B960494DF}">
-                  <a14:hiddenLine xmlns:a14="http://schemas.microsoft.com/office/drawing/2010/main" xmlns="" w="9525">
+                  <a14:hiddenLine xmlns="" xmlns:a14="http://schemas.microsoft.com/office/drawing/2010/main" w="9525">
                     <a:solidFill>
                       <a:srgbClr val="000000"/>
                     </a:solidFill>
@@ -11758,7 +11758,7 @@
               </a:ln>
               <a:extLst>
                 <a:ext uri="{91240B29-F687-4f45-9708-019B960494DF}">
-                  <a14:hiddenLine xmlns:a14="http://schemas.microsoft.com/office/drawing/2010/main" xmlns="" w="9525">
+                  <a14:hiddenLine xmlns="" xmlns:a14="http://schemas.microsoft.com/office/drawing/2010/main" w="9525">
                     <a:solidFill>
                       <a:srgbClr val="000000"/>
                     </a:solidFill>
@@ -11848,7 +11848,7 @@
               </a:ln>
               <a:extLst>
                 <a:ext uri="{91240B29-F687-4f45-9708-019B960494DF}">
-                  <a14:hiddenLine xmlns:a14="http://schemas.microsoft.com/office/drawing/2010/main" xmlns="" w="9525">
+                  <a14:hiddenLine xmlns="" xmlns:a14="http://schemas.microsoft.com/office/drawing/2010/main" w="9525">
                     <a:solidFill>
                       <a:srgbClr val="000000"/>
                     </a:solidFill>
@@ -11882,7 +11882,7 @@
               </a:ln>
               <a:extLst>
                 <a:ext uri="{91240B29-F687-4f45-9708-019B960494DF}">
-                  <a14:hiddenLine xmlns:a14="http://schemas.microsoft.com/office/drawing/2010/main" xmlns="" w="9525">
+                  <a14:hiddenLine xmlns="" xmlns:a14="http://schemas.microsoft.com/office/drawing/2010/main" w="9525">
                     <a:solidFill>
                       <a:srgbClr val="000000"/>
                     </a:solidFill>
@@ -12022,7 +12022,7 @@
           <a:p>
             <a:fld id="{2E926A16-FCB2-493B-91B5-D55853418282}" type="datetimeFigureOut">
               <a:rPr lang="en-US" smtClean="0"/>
-              <a:t>11/27/2018</a:t>
+              <a:t>11/28/2018</a:t>
             </a:fld>
             <a:endParaRPr lang="en-US"/>
           </a:p>
@@ -12539,6 +12539,316 @@
           <p:cNvPr id="2" name="Title 1">
             <a:extLst>
               <a:ext uri="{FF2B5EF4-FFF2-40B4-BE49-F238E27FC236}">
+                <a16:creationId xmlns:a16="http://schemas.microsoft.com/office/drawing/2014/main" id="{1F90EB65-BC28-4FFB-8E93-2927EE236DA8}"/>
+              </a:ext>
+            </a:extLst>
+          </p:cNvPr>
+          <p:cNvSpPr>
+            <a:spLocks noGrp="1"/>
+          </p:cNvSpPr>
+          <p:nvPr>
+            <p:ph type="title"/>
+          </p:nvPr>
+        </p:nvSpPr>
+        <p:spPr/>
+        <p:txBody>
+          <a:bodyPr/>
+          <a:lstStyle/>
+          <a:p>
+            <a:r>
+              <a:rPr lang="en-US" dirty="0"/>
+              <a:t>Progress Since Milestone 1:</a:t>
+            </a:r>
+          </a:p>
+        </p:txBody>
+      </p:sp>
+      <p:sp>
+        <p:nvSpPr>
+          <p:cNvPr id="3" name="Content Placeholder 2">
+            <a:extLst>
+              <a:ext uri="{FF2B5EF4-FFF2-40B4-BE49-F238E27FC236}">
+                <a16:creationId xmlns:a16="http://schemas.microsoft.com/office/drawing/2014/main" id="{0C68E615-E66C-4B3B-BE76-93C899493F7C}"/>
+              </a:ext>
+            </a:extLst>
+          </p:cNvPr>
+          <p:cNvSpPr>
+            <a:spLocks noGrp="1"/>
+          </p:cNvSpPr>
+          <p:nvPr>
+            <p:ph idx="1"/>
+          </p:nvPr>
+        </p:nvSpPr>
+        <p:spPr/>
+        <p:txBody>
+          <a:bodyPr>
+            <a:normAutofit fontScale="62500" lnSpcReduction="20000"/>
+          </a:bodyPr>
+          <a:lstStyle/>
+          <a:p>
+            <a:r>
+              <a:rPr lang="en-US" dirty="0"/>
+              <a:t>Code cleanup: overhaul on how we handle circuit elements</a:t>
+            </a:r>
+          </a:p>
+          <a:p>
+            <a:pPr lvl="1"/>
+            <a:r>
+              <a:rPr lang="en-US" dirty="0"/>
+              <a:t>Instead of separate structs and lists for each type of element, all passives are the same Element with node and parameter arrays (instead of hardcoding how many they have)</a:t>
+            </a:r>
+          </a:p>
+          <a:p>
+            <a:pPr lvl="2"/>
+            <a:r>
+              <a:rPr lang="en-US" dirty="0"/>
+              <a:t>Other than voltage sources, all passives can be stored on the same list (because VDC needs to be applied last to matrices for reasons described below</a:t>
+            </a:r>
+          </a:p>
+          <a:p>
+            <a:pPr lvl="1"/>
+            <a:r>
+              <a:rPr lang="en-US" dirty="0"/>
+              <a:t>Will need further modification to properly port netlist to GPU (currently using </a:t>
+            </a:r>
+            <a:r>
+              <a:rPr lang="en-US" dirty="0" err="1"/>
+              <a:t>std</a:t>
+            </a:r>
+            <a:r>
+              <a:rPr lang="en-US" dirty="0"/>
+              <a:t>::vectors for dynamic arrays)</a:t>
+            </a:r>
+          </a:p>
+          <a:p>
+            <a:r>
+              <a:rPr lang="en-US" dirty="0"/>
+              <a:t>More edge case testing to locate and correct bugs</a:t>
+            </a:r>
+          </a:p>
+          <a:p>
+            <a:pPr lvl="1"/>
+            <a:r>
+              <a:rPr lang="en-US" dirty="0"/>
+              <a:t>Located a problem with VDC modelling (problem with conversion to I and G when neither node grounded)</a:t>
+            </a:r>
+          </a:p>
+          <a:p>
+            <a:pPr lvl="2"/>
+            <a:r>
+              <a:rPr lang="en-US" dirty="0"/>
+              <a:t>Before: Used the fact that the currents flowing out of both positive and negative node are equal to generate G and I matrix entries</a:t>
+            </a:r>
+          </a:p>
+          <a:p>
+            <a:pPr lvl="2"/>
+            <a:r>
+              <a:rPr lang="en-US" dirty="0"/>
+              <a:t>Problem: Even though </a:t>
+            </a:r>
+            <a:r>
+              <a:rPr lang="en-US" dirty="0" err="1"/>
+              <a:t>Vp</a:t>
+            </a:r>
+            <a:r>
+              <a:rPr lang="en-US" dirty="0"/>
+              <a:t> = </a:t>
+            </a:r>
+            <a:r>
+              <a:rPr lang="en-US" dirty="0" err="1"/>
+              <a:t>Vn</a:t>
+            </a:r>
+            <a:r>
+              <a:rPr lang="en-US" dirty="0"/>
+              <a:t> + Vdc used to replace on of the voltages in one of the equations to assert Vdc dependence, still both voltages dependent on G seen at each node</a:t>
+            </a:r>
+          </a:p>
+          <a:p>
+            <a:pPr lvl="2"/>
+            <a:r>
+              <a:rPr lang="en-US" dirty="0"/>
+              <a:t>Solution: seems really obvious, but </a:t>
+            </a:r>
+            <a:r>
+              <a:rPr lang="en-US" dirty="0" err="1"/>
+              <a:t>Vp</a:t>
+            </a:r>
+            <a:r>
+              <a:rPr lang="en-US" dirty="0"/>
+              <a:t> – </a:t>
+            </a:r>
+            <a:r>
+              <a:rPr lang="en-US" dirty="0" err="1"/>
+              <a:t>Vn</a:t>
+            </a:r>
+            <a:r>
+              <a:rPr lang="en-US" dirty="0"/>
+              <a:t> = Vdc, =&gt; </a:t>
+            </a:r>
+            <a:r>
+              <a:rPr lang="en-US" dirty="0" err="1"/>
+              <a:t>Vp</a:t>
+            </a:r>
+            <a:r>
+              <a:rPr lang="en-US" dirty="0"/>
+              <a:t>(</a:t>
+            </a:r>
+            <a:r>
+              <a:rPr lang="en-US" dirty="0" err="1"/>
+              <a:t>Gx</a:t>
+            </a:r>
+            <a:r>
+              <a:rPr lang="en-US" dirty="0"/>
+              <a:t>) – </a:t>
+            </a:r>
+            <a:r>
+              <a:rPr lang="en-US" dirty="0" err="1"/>
+              <a:t>Vn</a:t>
+            </a:r>
+            <a:r>
+              <a:rPr lang="en-US" dirty="0"/>
+              <a:t>(</a:t>
+            </a:r>
+            <a:r>
+              <a:rPr lang="en-US" dirty="0" err="1"/>
+              <a:t>Gx</a:t>
+            </a:r>
+            <a:r>
+              <a:rPr lang="en-US" dirty="0"/>
+              <a:t>) = Vdc(</a:t>
+            </a:r>
+            <a:r>
+              <a:rPr lang="en-US" dirty="0" err="1"/>
+              <a:t>Gx</a:t>
+            </a:r>
+            <a:r>
+              <a:rPr lang="en-US" dirty="0"/>
+              <a:t>) =&gt; divide by </a:t>
+            </a:r>
+            <a:r>
+              <a:rPr lang="en-US" dirty="0" err="1"/>
+              <a:t>Gx</a:t>
+            </a:r>
+            <a:r>
+              <a:rPr lang="en-US" dirty="0"/>
+              <a:t>. So, I use the previous method to populate the matrix for </a:t>
+            </a:r>
+            <a:r>
+              <a:rPr lang="en-US" dirty="0" err="1"/>
+              <a:t>Vn</a:t>
+            </a:r>
+            <a:r>
+              <a:rPr lang="en-US" dirty="0"/>
+              <a:t> but this new equation for </a:t>
+            </a:r>
+            <a:r>
+              <a:rPr lang="en-US" dirty="0" err="1"/>
+              <a:t>Vp</a:t>
+            </a:r>
+            <a:endParaRPr lang="en-US" dirty="0"/>
+          </a:p>
+        </p:txBody>
+      </p:sp>
+    </p:spTree>
+    <p:extLst>
+      <p:ext uri="{BB962C8B-B14F-4D97-AF65-F5344CB8AC3E}">
+        <p14:creationId xmlns:p14="http://schemas.microsoft.com/office/powerpoint/2010/main" val="2952547995"/>
+      </p:ext>
+    </p:extLst>
+  </p:cSld>
+  <p:clrMapOvr>
+    <a:masterClrMapping/>
+  </p:clrMapOvr>
+</p:sld>
+</file>
+
+<file path=ppt/slides/slide3.xml><?xml version="1.0" encoding="utf-8"?>
+<p:sld xmlns:a="http://schemas.openxmlformats.org/drawingml/2006/main" xmlns:r="http://schemas.openxmlformats.org/officeDocument/2006/relationships" xmlns:p="http://schemas.openxmlformats.org/presentationml/2006/main">
+  <p:cSld>
+    <p:spTree>
+      <p:nvGrpSpPr>
+        <p:cNvPr id="1" name=""/>
+        <p:cNvGrpSpPr/>
+        <p:nvPr/>
+      </p:nvGrpSpPr>
+      <p:grpSpPr>
+        <a:xfrm>
+          <a:off x="0" y="0"/>
+          <a:ext cx="0" cy="0"/>
+          <a:chOff x="0" y="0"/>
+          <a:chExt cx="0" cy="0"/>
+        </a:xfrm>
+      </p:grpSpPr>
+      <p:pic>
+        <p:nvPicPr>
+          <p:cNvPr id="3" name="Picture 2">
+            <a:extLst>
+              <a:ext uri="{FF2B5EF4-FFF2-40B4-BE49-F238E27FC236}">
+                <a16:creationId xmlns:a16="http://schemas.microsoft.com/office/drawing/2014/main" id="{116977C1-CBFB-4E5D-B781-B43DFA57E987}"/>
+              </a:ext>
+            </a:extLst>
+          </p:cNvPr>
+          <p:cNvPicPr>
+            <a:picLocks noChangeAspect="1"/>
+          </p:cNvPicPr>
+          <p:nvPr/>
+        </p:nvPicPr>
+        <p:blipFill>
+          <a:blip r:embed="rId2">
+            <a:extLst>
+              <a:ext uri="{28A0092B-C50C-407E-A947-70E740481C1C}">
+                <a14:useLocalDpi xmlns:a14="http://schemas.microsoft.com/office/drawing/2010/main" val="0"/>
+              </a:ext>
+            </a:extLst>
+          </a:blip>
+          <a:stretch>
+            <a:fillRect/>
+          </a:stretch>
+        </p:blipFill>
+        <p:spPr>
+          <a:xfrm>
+            <a:off x="1047312" y="1379042"/>
+            <a:ext cx="10097375" cy="4099915"/>
+          </a:xfrm>
+          <a:prstGeom prst="rect">
+            <a:avLst/>
+          </a:prstGeom>
+        </p:spPr>
+      </p:pic>
+    </p:spTree>
+    <p:extLst>
+      <p:ext uri="{BB962C8B-B14F-4D97-AF65-F5344CB8AC3E}">
+        <p14:creationId xmlns:p14="http://schemas.microsoft.com/office/powerpoint/2010/main" val="2030369395"/>
+      </p:ext>
+    </p:extLst>
+  </p:cSld>
+  <p:clrMapOvr>
+    <a:masterClrMapping/>
+  </p:clrMapOvr>
+</p:sld>
+</file>
+
+<file path=ppt/slides/slide4.xml><?xml version="1.0" encoding="utf-8"?>
+<p:sld xmlns:a="http://schemas.openxmlformats.org/drawingml/2006/main" xmlns:r="http://schemas.openxmlformats.org/officeDocument/2006/relationships" xmlns:p="http://schemas.openxmlformats.org/presentationml/2006/main">
+  <p:cSld>
+    <p:spTree>
+      <p:nvGrpSpPr>
+        <p:cNvPr id="1" name=""/>
+        <p:cNvGrpSpPr/>
+        <p:nvPr/>
+      </p:nvGrpSpPr>
+      <p:grpSpPr>
+        <a:xfrm>
+          <a:off x="0" y="0"/>
+          <a:ext cx="0" cy="0"/>
+          <a:chOff x="0" y="0"/>
+          <a:chExt cx="0" cy="0"/>
+        </a:xfrm>
+      </p:grpSpPr>
+      <p:sp>
+        <p:nvSpPr>
+          <p:cNvPr id="2" name="Title 1">
+            <a:extLst>
+              <a:ext uri="{FF2B5EF4-FFF2-40B4-BE49-F238E27FC236}">
                 <a16:creationId xmlns:a16="http://schemas.microsoft.com/office/drawing/2014/main" id="{968B37FC-4EBA-40C3-9F67-15DAA6C2E595}"/>
               </a:ext>
             </a:extLst>
@@ -12581,7 +12891,7 @@
         <p:spPr/>
         <p:txBody>
           <a:bodyPr>
-            <a:normAutofit fontScale="92500" lnSpcReduction="20000"/>
+            <a:normAutofit fontScale="62500" lnSpcReduction="20000"/>
           </a:bodyPr>
           <a:lstStyle/>
           <a:p>
@@ -12593,7 +12903,7 @@
           <a:p>
             <a:r>
               <a:rPr lang="en-US" dirty="0"/>
-              <a:t>Currently use a default hard-coded NMOS model, need to add model parsing</a:t>
+              <a:t>Currently use a default hard-coded MOSFET models, need to add model parsing</a:t>
             </a:r>
           </a:p>
           <a:p>
@@ -12605,6 +12915,34 @@
           <a:p>
             <a:r>
               <a:rPr lang="en-US" dirty="0"/>
+              <a:t>Added channel-length modulation parameter</a:t>
+            </a:r>
+          </a:p>
+          <a:p>
+            <a:pPr lvl="1"/>
+            <a:r>
+              <a:rPr lang="en-US" dirty="0"/>
+              <a:t>Adds dependence on drain-source voltage in saturation</a:t>
+            </a:r>
+          </a:p>
+          <a:p>
+            <a:pPr lvl="1"/>
+            <a:r>
+              <a:rPr lang="en-US" dirty="0"/>
+              <a:t>Otherwise, for example for a simple inverter w/ </a:t>
+            </a:r>
+            <a:r>
+              <a:rPr lang="en-US" dirty="0" err="1"/>
+              <a:t>Vdd</a:t>
+            </a:r>
+            <a:r>
+              <a:rPr lang="en-US" dirty="0"/>
+              <a:t>/2 input there are 3 different solutions possible and it converges to one of those, not necessarily the one we want</a:t>
+            </a:r>
+          </a:p>
+          <a:p>
+            <a:r>
+              <a:rPr lang="en-US" dirty="0"/>
               <a:t>Solution of circuits including transistors by:</a:t>
             </a:r>
           </a:p>
@@ -12633,7 +12971,7 @@
             <a:pPr lvl="1"/>
             <a:r>
               <a:rPr lang="en-US" dirty="0"/>
-              <a:t>Currently very serial method, only matrix solving on GPU</a:t>
+              <a:t>Currently very serial loop method, only matrix solving on GPU</a:t>
             </a:r>
           </a:p>
         </p:txBody>
@@ -12651,7 +12989,7 @@
 </p:sld>
 </file>
 
-<file path=ppt/slides/slide3.xml><?xml version="1.0" encoding="utf-8"?>
+<file path=ppt/slides/slide5.xml><?xml version="1.0" encoding="utf-8"?>
 <p:sld xmlns:a="http://schemas.openxmlformats.org/drawingml/2006/main" xmlns:r="http://schemas.openxmlformats.org/officeDocument/2006/relationships" xmlns:p="http://schemas.openxmlformats.org/presentationml/2006/main">
   <p:cSld>
     <p:spTree>
@@ -12717,325 +13055,6 @@
 </p:sld>
 </file>
 
-<file path=ppt/slides/slide4.xml><?xml version="1.0" encoding="utf-8"?>
-<p:sld xmlns:a="http://schemas.openxmlformats.org/drawingml/2006/main" xmlns:r="http://schemas.openxmlformats.org/officeDocument/2006/relationships" xmlns:p="http://schemas.openxmlformats.org/presentationml/2006/main">
-  <p:cSld>
-    <p:spTree>
-      <p:nvGrpSpPr>
-        <p:cNvPr id="1" name=""/>
-        <p:cNvGrpSpPr/>
-        <p:nvPr/>
-      </p:nvGrpSpPr>
-      <p:grpSpPr>
-        <a:xfrm>
-          <a:off x="0" y="0"/>
-          <a:ext cx="0" cy="0"/>
-          <a:chOff x="0" y="0"/>
-          <a:chExt cx="0" cy="0"/>
-        </a:xfrm>
-      </p:grpSpPr>
-      <p:sp>
-        <p:nvSpPr>
-          <p:cNvPr id="2" name="Title 1">
-            <a:extLst>
-              <a:ext uri="{FF2B5EF4-FFF2-40B4-BE49-F238E27FC236}">
-                <a16:creationId xmlns:a16="http://schemas.microsoft.com/office/drawing/2014/main" id="{1F90EB65-BC28-4FFB-8E93-2927EE236DA8}"/>
-              </a:ext>
-            </a:extLst>
-          </p:cNvPr>
-          <p:cNvSpPr>
-            <a:spLocks noGrp="1"/>
-          </p:cNvSpPr>
-          <p:nvPr>
-            <p:ph type="title"/>
-          </p:nvPr>
-        </p:nvSpPr>
-        <p:spPr/>
-        <p:txBody>
-          <a:bodyPr/>
-          <a:lstStyle/>
-          <a:p>
-            <a:r>
-              <a:rPr lang="en-US" dirty="0"/>
-              <a:t>Progress Since Milestone 1:</a:t>
-            </a:r>
-          </a:p>
-        </p:txBody>
-      </p:sp>
-      <p:sp>
-        <p:nvSpPr>
-          <p:cNvPr id="3" name="Content Placeholder 2">
-            <a:extLst>
-              <a:ext uri="{FF2B5EF4-FFF2-40B4-BE49-F238E27FC236}">
-                <a16:creationId xmlns:a16="http://schemas.microsoft.com/office/drawing/2014/main" id="{0C68E615-E66C-4B3B-BE76-93C899493F7C}"/>
-              </a:ext>
-            </a:extLst>
-          </p:cNvPr>
-          <p:cNvSpPr>
-            <a:spLocks noGrp="1"/>
-          </p:cNvSpPr>
-          <p:nvPr>
-            <p:ph idx="1"/>
-          </p:nvPr>
-        </p:nvSpPr>
-        <p:spPr/>
-        <p:txBody>
-          <a:bodyPr>
-            <a:normAutofit fontScale="70000" lnSpcReduction="20000"/>
-          </a:bodyPr>
-          <a:lstStyle/>
-          <a:p>
-            <a:r>
-              <a:rPr lang="en-US" dirty="0"/>
-              <a:t>Code cleanup: overhaul on how we handle circuit elements</a:t>
-            </a:r>
-          </a:p>
-          <a:p>
-            <a:pPr lvl="1"/>
-            <a:r>
-              <a:rPr lang="en-US" dirty="0"/>
-              <a:t>Instead of separate structs and lists for each type of element, all passives are the same Element with node and parameter arrays (instead of hardcoding how many they have)</a:t>
-            </a:r>
-          </a:p>
-          <a:p>
-            <a:pPr lvl="2"/>
-            <a:r>
-              <a:rPr lang="en-US" dirty="0"/>
-              <a:t>Other than voltage sources, all passives can be stored on the same list (because VDC needs to be applied last to matrices for reasons described below</a:t>
-            </a:r>
-          </a:p>
-          <a:p>
-            <a:r>
-              <a:rPr lang="en-US" dirty="0"/>
-              <a:t>More edge case testing to locate and correct bugs</a:t>
-            </a:r>
-          </a:p>
-          <a:p>
-            <a:pPr lvl="1"/>
-            <a:r>
-              <a:rPr lang="en-US" dirty="0"/>
-              <a:t>Located a problem with VDC modelling (problem with conversion to I and G when neither node grounded)</a:t>
-            </a:r>
-          </a:p>
-          <a:p>
-            <a:pPr lvl="2"/>
-            <a:r>
-              <a:rPr lang="en-US" dirty="0"/>
-              <a:t>Before: Used the fact that the currents flowing out of both positive and negative node are equal to generate G and I matrix entries</a:t>
-            </a:r>
-          </a:p>
-          <a:p>
-            <a:pPr lvl="2"/>
-            <a:r>
-              <a:rPr lang="en-US" dirty="0"/>
-              <a:t>Problem: Even though </a:t>
-            </a:r>
-            <a:r>
-              <a:rPr lang="en-US" dirty="0" err="1"/>
-              <a:t>Vp</a:t>
-            </a:r>
-            <a:r>
-              <a:rPr lang="en-US" dirty="0"/>
-              <a:t> = </a:t>
-            </a:r>
-            <a:r>
-              <a:rPr lang="en-US" dirty="0" err="1"/>
-              <a:t>Vn</a:t>
-            </a:r>
-            <a:r>
-              <a:rPr lang="en-US" dirty="0"/>
-              <a:t> + Vdc used to replace on of the voltages in one of the equations to assert Vdc dependence, still dependent on G seen at each node</a:t>
-            </a:r>
-          </a:p>
-          <a:p>
-            <a:pPr lvl="2"/>
-            <a:r>
-              <a:rPr lang="en-US" dirty="0"/>
-              <a:t>Solution: seems really obvious, but </a:t>
-            </a:r>
-            <a:r>
-              <a:rPr lang="en-US" dirty="0" err="1"/>
-              <a:t>Vp</a:t>
-            </a:r>
-            <a:r>
-              <a:rPr lang="en-US" dirty="0"/>
-              <a:t> – </a:t>
-            </a:r>
-            <a:r>
-              <a:rPr lang="en-US" dirty="0" err="1"/>
-              <a:t>Vn</a:t>
-            </a:r>
-            <a:r>
-              <a:rPr lang="en-US" dirty="0"/>
-              <a:t> = Vdc, =&gt; </a:t>
-            </a:r>
-            <a:r>
-              <a:rPr lang="en-US" dirty="0" err="1"/>
-              <a:t>Vp</a:t>
-            </a:r>
-            <a:r>
-              <a:rPr lang="en-US" dirty="0"/>
-              <a:t>(</a:t>
-            </a:r>
-            <a:r>
-              <a:rPr lang="en-US" dirty="0" err="1"/>
-              <a:t>Gx</a:t>
-            </a:r>
-            <a:r>
-              <a:rPr lang="en-US" dirty="0"/>
-              <a:t>) – </a:t>
-            </a:r>
-            <a:r>
-              <a:rPr lang="en-US" dirty="0" err="1"/>
-              <a:t>Vn</a:t>
-            </a:r>
-            <a:r>
-              <a:rPr lang="en-US" dirty="0"/>
-              <a:t>(</a:t>
-            </a:r>
-            <a:r>
-              <a:rPr lang="en-US" dirty="0" err="1"/>
-              <a:t>Gx</a:t>
-            </a:r>
-            <a:r>
-              <a:rPr lang="en-US" dirty="0"/>
-              <a:t>) = Vdc(</a:t>
-            </a:r>
-            <a:r>
-              <a:rPr lang="en-US" dirty="0" err="1"/>
-              <a:t>Gx</a:t>
-            </a:r>
-            <a:r>
-              <a:rPr lang="en-US" dirty="0"/>
-              <a:t>) =&gt; set </a:t>
-            </a:r>
-            <a:r>
-              <a:rPr lang="en-US" dirty="0" err="1"/>
-              <a:t>Gx</a:t>
-            </a:r>
-            <a:r>
-              <a:rPr lang="en-US" dirty="0"/>
-              <a:t> = 1. We still use the equal currents to generate the </a:t>
-            </a:r>
-            <a:r>
-              <a:rPr lang="en-US" dirty="0" err="1"/>
-              <a:t>Vn</a:t>
-            </a:r>
-            <a:r>
-              <a:rPr lang="en-US" dirty="0"/>
-              <a:t> row of the matrix, but the </a:t>
-            </a:r>
-            <a:r>
-              <a:rPr lang="en-US" dirty="0" err="1"/>
-              <a:t>Vp</a:t>
-            </a:r>
-            <a:r>
-              <a:rPr lang="en-US" dirty="0"/>
-              <a:t> row is replaced with 1 in </a:t>
-            </a:r>
-            <a:r>
-              <a:rPr lang="en-US" dirty="0" err="1"/>
-              <a:t>Vp</a:t>
-            </a:r>
-            <a:r>
-              <a:rPr lang="en-US" dirty="0"/>
-              <a:t> column and -1 in </a:t>
-            </a:r>
-            <a:r>
-              <a:rPr lang="en-US" dirty="0" err="1"/>
-              <a:t>Vn</a:t>
-            </a:r>
-            <a:r>
-              <a:rPr lang="en-US" dirty="0"/>
-              <a:t> column and Vdc in I </a:t>
-            </a:r>
-            <a:r>
-              <a:rPr lang="en-US" dirty="0" err="1"/>
-              <a:t>va</a:t>
-            </a:r>
-            <a:endParaRPr lang="en-US" dirty="0"/>
-          </a:p>
-        </p:txBody>
-      </p:sp>
-    </p:spTree>
-    <p:extLst>
-      <p:ext uri="{BB962C8B-B14F-4D97-AF65-F5344CB8AC3E}">
-        <p14:creationId xmlns:p14="http://schemas.microsoft.com/office/powerpoint/2010/main" val="2952547995"/>
-      </p:ext>
-    </p:extLst>
-  </p:cSld>
-  <p:clrMapOvr>
-    <a:masterClrMapping/>
-  </p:clrMapOvr>
-</p:sld>
-</file>
-
-<file path=ppt/slides/slide5.xml><?xml version="1.0" encoding="utf-8"?>
-<p:sld xmlns:a="http://schemas.openxmlformats.org/drawingml/2006/main" xmlns:r="http://schemas.openxmlformats.org/officeDocument/2006/relationships" xmlns:p="http://schemas.openxmlformats.org/presentationml/2006/main">
-  <p:cSld>
-    <p:spTree>
-      <p:nvGrpSpPr>
-        <p:cNvPr id="1" name=""/>
-        <p:cNvGrpSpPr/>
-        <p:nvPr/>
-      </p:nvGrpSpPr>
-      <p:grpSpPr>
-        <a:xfrm>
-          <a:off x="0" y="0"/>
-          <a:ext cx="0" cy="0"/>
-          <a:chOff x="0" y="0"/>
-          <a:chExt cx="0" cy="0"/>
-        </a:xfrm>
-      </p:grpSpPr>
-      <p:pic>
-        <p:nvPicPr>
-          <p:cNvPr id="3" name="Picture 2">
-            <a:extLst>
-              <a:ext uri="{FF2B5EF4-FFF2-40B4-BE49-F238E27FC236}">
-                <a16:creationId xmlns:a16="http://schemas.microsoft.com/office/drawing/2014/main" id="{116977C1-CBFB-4E5D-B781-B43DFA57E987}"/>
-              </a:ext>
-            </a:extLst>
-          </p:cNvPr>
-          <p:cNvPicPr>
-            <a:picLocks noChangeAspect="1"/>
-          </p:cNvPicPr>
-          <p:nvPr/>
-        </p:nvPicPr>
-        <p:blipFill>
-          <a:blip r:embed="rId2">
-            <a:extLst>
-              <a:ext uri="{28A0092B-C50C-407E-A947-70E740481C1C}">
-                <a14:useLocalDpi xmlns:a14="http://schemas.microsoft.com/office/drawing/2010/main" val="0"/>
-              </a:ext>
-            </a:extLst>
-          </a:blip>
-          <a:stretch>
-            <a:fillRect/>
-          </a:stretch>
-        </p:blipFill>
-        <p:spPr>
-          <a:xfrm>
-            <a:off x="1047312" y="1379042"/>
-            <a:ext cx="10097375" cy="4099915"/>
-          </a:xfrm>
-          <a:prstGeom prst="rect">
-            <a:avLst/>
-          </a:prstGeom>
-        </p:spPr>
-      </p:pic>
-    </p:spTree>
-    <p:extLst>
-      <p:ext uri="{BB962C8B-B14F-4D97-AF65-F5344CB8AC3E}">
-        <p14:creationId xmlns:p14="http://schemas.microsoft.com/office/powerpoint/2010/main" val="2030369395"/>
-      </p:ext>
-    </p:extLst>
-  </p:cSld>
-  <p:clrMapOvr>
-    <a:masterClrMapping/>
-  </p:clrMapOvr>
-</p:sld>
-</file>
-
 <file path=ppt/slides/slide6.xml><?xml version="1.0" encoding="utf-8"?>
 <p:sld xmlns:a="http://schemas.openxmlformats.org/drawingml/2006/main" xmlns:r="http://schemas.openxmlformats.org/officeDocument/2006/relationships" xmlns:p="http://schemas.openxmlformats.org/presentationml/2006/main">
   <p:cSld>
@@ -13100,7 +13119,7 @@
         <p:spPr/>
         <p:txBody>
           <a:bodyPr>
-            <a:normAutofit fontScale="85000" lnSpcReduction="10000"/>
+            <a:normAutofit fontScale="85000" lnSpcReduction="20000"/>
           </a:bodyPr>
           <a:lstStyle/>
           <a:p>
@@ -13148,13 +13167,8 @@
             <a:pPr lvl="1"/>
             <a:r>
               <a:rPr lang="en-US" dirty="0"/>
-              <a:t>Solve, increment value by step size, repeat until stop </a:t>
-            </a:r>
-            <a:r>
-              <a:rPr lang="en-US"/>
-              <a:t>value reached</a:t>
-            </a:r>
-            <a:endParaRPr lang="en-US" dirty="0"/>
+              <a:t>Solve, increment value by step size, repeat until stop value reached</a:t>
+            </a:r>
           </a:p>
           <a:p>
             <a:r>
@@ -13174,6 +13188,13 @@
             <a:r>
               <a:rPr lang="en-US" dirty="0"/>
               <a:t>Atomics for race conditions between elements on same node</a:t>
+            </a:r>
+          </a:p>
+          <a:p>
+            <a:pPr lvl="1"/>
+            <a:r>
+              <a:rPr lang="en-US" dirty="0"/>
+              <a:t>Current issue with this is passing netlist to GPU, needs modifications</a:t>
             </a:r>
           </a:p>
           <a:p>
@@ -13266,7 +13287,7 @@
         <p:spPr/>
         <p:txBody>
           <a:bodyPr>
-            <a:normAutofit/>
+            <a:normAutofit lnSpcReduction="10000"/>
           </a:bodyPr>
           <a:lstStyle/>
           <a:p>
@@ -13279,13 +13300,13 @@
             <a:pPr lvl="1"/>
             <a:r>
               <a:rPr lang="en-US" dirty="0"/>
-              <a:t>Add in capacitors, inductors, AC sources (time-dependent elements)</a:t>
+              <a:t>Add in capacitors, inductors, AC sources, etc. (time-dependent elements)</a:t>
             </a:r>
           </a:p>
           <a:p>
             <a:r>
               <a:rPr lang="en-US" dirty="0"/>
-              <a:t>Second-order effects (improved transistor modelling)</a:t>
+              <a:t>More second-order effects (improved transistor modelling)</a:t>
             </a:r>
           </a:p>
           <a:p>
@@ -13304,6 +13325,13 @@
             <a:r>
               <a:rPr lang="en-US" dirty="0"/>
               <a:t>Stream compaction of matrices (expected to be sparse in large circuits)</a:t>
+            </a:r>
+          </a:p>
+          <a:p>
+            <a:pPr lvl="1"/>
+            <a:r>
+              <a:rPr lang="en-US" dirty="0"/>
+              <a:t>For better memory usage, as ultimate goal is to be useful for VLSI</a:t>
             </a:r>
           </a:p>
         </p:txBody>

--- a/Milestones/Milestone2Presentation.pptx
+++ b/Milestones/Milestone2Presentation.pptx
@@ -12581,170 +12581,170 @@
         <p:spPr/>
         <p:txBody>
           <a:bodyPr>
-            <a:normAutofit fontScale="62500" lnSpcReduction="20000"/>
+            <a:normAutofit/>
           </a:bodyPr>
           <a:lstStyle/>
           <a:p>
             <a:r>
-              <a:rPr lang="en-US" dirty="0"/>
+              <a:rPr lang="en-US" sz="1200" dirty="0"/>
               <a:t>Code cleanup: overhaul on how we handle circuit elements</a:t>
             </a:r>
           </a:p>
           <a:p>
             <a:pPr lvl="1"/>
             <a:r>
-              <a:rPr lang="en-US" dirty="0"/>
+              <a:rPr lang="en-US" sz="1200" dirty="0"/>
               <a:t>Instead of separate structs and lists for each type of element, all passives are the same Element with node and parameter arrays (instead of hardcoding how many they have)</a:t>
             </a:r>
           </a:p>
           <a:p>
             <a:pPr lvl="2"/>
             <a:r>
-              <a:rPr lang="en-US" dirty="0"/>
+              <a:rPr lang="en-US" sz="1200" dirty="0"/>
               <a:t>Other than voltage sources, all passives can be stored on the same list (because VDC needs to be applied last to matrices for reasons described below</a:t>
             </a:r>
           </a:p>
           <a:p>
             <a:pPr lvl="1"/>
             <a:r>
-              <a:rPr lang="en-US" dirty="0"/>
+              <a:rPr lang="en-US" sz="1200" dirty="0"/>
               <a:t>Will need further modification to properly port netlist to GPU (currently using </a:t>
             </a:r>
             <a:r>
-              <a:rPr lang="en-US" dirty="0" err="1"/>
+              <a:rPr lang="en-US" sz="1200" dirty="0" err="1"/>
               <a:t>std</a:t>
             </a:r>
             <a:r>
-              <a:rPr lang="en-US" dirty="0"/>
+              <a:rPr lang="en-US" sz="1200" dirty="0"/>
               <a:t>::vectors for dynamic arrays)</a:t>
             </a:r>
           </a:p>
           <a:p>
             <a:r>
-              <a:rPr lang="en-US" dirty="0"/>
+              <a:rPr lang="en-US" sz="1200" dirty="0"/>
               <a:t>More edge case testing to locate and correct bugs</a:t>
             </a:r>
           </a:p>
           <a:p>
             <a:pPr lvl="1"/>
             <a:r>
-              <a:rPr lang="en-US" dirty="0"/>
+              <a:rPr lang="en-US" sz="1200" dirty="0"/>
               <a:t>Located a problem with VDC modelling (problem with conversion to I and G when neither node grounded)</a:t>
             </a:r>
           </a:p>
           <a:p>
             <a:pPr lvl="2"/>
             <a:r>
-              <a:rPr lang="en-US" dirty="0"/>
+              <a:rPr lang="en-US" sz="1200" dirty="0"/>
               <a:t>Before: Used the fact that the currents flowing out of both positive and negative node are equal to generate G and I matrix entries</a:t>
             </a:r>
           </a:p>
           <a:p>
             <a:pPr lvl="2"/>
             <a:r>
-              <a:rPr lang="en-US" dirty="0"/>
+              <a:rPr lang="en-US" sz="1200" dirty="0"/>
               <a:t>Problem: Even though </a:t>
             </a:r>
             <a:r>
-              <a:rPr lang="en-US" dirty="0" err="1"/>
+              <a:rPr lang="en-US" sz="1200" dirty="0" err="1"/>
               <a:t>Vp</a:t>
             </a:r>
             <a:r>
-              <a:rPr lang="en-US" dirty="0"/>
+              <a:rPr lang="en-US" sz="1200" dirty="0"/>
               <a:t> = </a:t>
             </a:r>
             <a:r>
-              <a:rPr lang="en-US" dirty="0" err="1"/>
+              <a:rPr lang="en-US" sz="1200" dirty="0" err="1"/>
               <a:t>Vn</a:t>
             </a:r>
             <a:r>
-              <a:rPr lang="en-US" dirty="0"/>
+              <a:rPr lang="en-US" sz="1200" dirty="0"/>
               <a:t> + Vdc used to replace on of the voltages in one of the equations to assert Vdc dependence, still both voltages dependent on G seen at each node</a:t>
             </a:r>
           </a:p>
           <a:p>
             <a:pPr lvl="2"/>
             <a:r>
-              <a:rPr lang="en-US" dirty="0"/>
+              <a:rPr lang="en-US" sz="1200" dirty="0"/>
               <a:t>Solution: seems really obvious, but </a:t>
             </a:r>
             <a:r>
-              <a:rPr lang="en-US" dirty="0" err="1"/>
+              <a:rPr lang="en-US" sz="1200" dirty="0" err="1"/>
               <a:t>Vp</a:t>
             </a:r>
             <a:r>
-              <a:rPr lang="en-US" dirty="0"/>
+              <a:rPr lang="en-US" sz="1200" dirty="0"/>
               <a:t> – </a:t>
             </a:r>
             <a:r>
-              <a:rPr lang="en-US" dirty="0" err="1"/>
+              <a:rPr lang="en-US" sz="1200" dirty="0" err="1"/>
               <a:t>Vn</a:t>
             </a:r>
             <a:r>
-              <a:rPr lang="en-US" dirty="0"/>
+              <a:rPr lang="en-US" sz="1200" dirty="0"/>
               <a:t> = Vdc, =&gt; </a:t>
             </a:r>
             <a:r>
-              <a:rPr lang="en-US" dirty="0" err="1"/>
+              <a:rPr lang="en-US" sz="1200" dirty="0" err="1"/>
               <a:t>Vp</a:t>
             </a:r>
             <a:r>
-              <a:rPr lang="en-US" dirty="0"/>
+              <a:rPr lang="en-US" sz="1200" dirty="0"/>
               <a:t>(</a:t>
             </a:r>
             <a:r>
-              <a:rPr lang="en-US" dirty="0" err="1"/>
+              <a:rPr lang="en-US" sz="1200" dirty="0" err="1"/>
               <a:t>Gx</a:t>
             </a:r>
             <a:r>
-              <a:rPr lang="en-US" dirty="0"/>
+              <a:rPr lang="en-US" sz="1200" dirty="0"/>
               <a:t>) – </a:t>
             </a:r>
             <a:r>
-              <a:rPr lang="en-US" dirty="0" err="1"/>
+              <a:rPr lang="en-US" sz="1200" dirty="0" err="1"/>
               <a:t>Vn</a:t>
             </a:r>
             <a:r>
-              <a:rPr lang="en-US" dirty="0"/>
+              <a:rPr lang="en-US" sz="1200" dirty="0"/>
               <a:t>(</a:t>
             </a:r>
             <a:r>
-              <a:rPr lang="en-US" dirty="0" err="1"/>
+              <a:rPr lang="en-US" sz="1200" dirty="0" err="1"/>
               <a:t>Gx</a:t>
             </a:r>
             <a:r>
-              <a:rPr lang="en-US" dirty="0"/>
+              <a:rPr lang="en-US" sz="1200" dirty="0"/>
               <a:t>) = Vdc(</a:t>
             </a:r>
             <a:r>
-              <a:rPr lang="en-US" dirty="0" err="1"/>
+              <a:rPr lang="en-US" sz="1200" dirty="0" err="1"/>
               <a:t>Gx</a:t>
             </a:r>
             <a:r>
-              <a:rPr lang="en-US" dirty="0"/>
+              <a:rPr lang="en-US" sz="1200" dirty="0"/>
               <a:t>) =&gt; divide by </a:t>
             </a:r>
             <a:r>
-              <a:rPr lang="en-US" dirty="0" err="1"/>
+              <a:rPr lang="en-US" sz="1200" dirty="0" err="1"/>
               <a:t>Gx</a:t>
             </a:r>
             <a:r>
-              <a:rPr lang="en-US" dirty="0"/>
+              <a:rPr lang="en-US" sz="1200" dirty="0"/>
               <a:t>. So, I use the previous method to populate the matrix for </a:t>
             </a:r>
             <a:r>
-              <a:rPr lang="en-US" dirty="0" err="1"/>
+              <a:rPr lang="en-US" sz="1200" dirty="0" err="1"/>
               <a:t>Vn</a:t>
             </a:r>
             <a:r>
-              <a:rPr lang="en-US" dirty="0"/>
+              <a:rPr lang="en-US" sz="1200" dirty="0"/>
               <a:t> but this new equation for </a:t>
             </a:r>
             <a:r>
-              <a:rPr lang="en-US" dirty="0" err="1"/>
+              <a:rPr lang="en-US" sz="1200" dirty="0" err="1"/>
               <a:t>Vp</a:t>
             </a:r>
-            <a:endParaRPr lang="en-US" dirty="0"/>
+            <a:endParaRPr lang="en-US" sz="1200" dirty="0"/>
           </a:p>
         </p:txBody>
       </p:sp>
